--- a/presentation.pptx
+++ b/presentation.pptx
@@ -23,9 +23,9 @@
     <p:sldId id="395" r:id="rId14"/>
     <p:sldId id="277" r:id="rId15"/>
     <p:sldId id="321" r:id="rId16"/>
-    <p:sldId id="391" r:id="rId17"/>
-    <p:sldId id="396" r:id="rId18"/>
-    <p:sldId id="394" r:id="rId19"/>
+    <p:sldId id="396" r:id="rId17"/>
+    <p:sldId id="391" r:id="rId18"/>
+    <p:sldId id="397" r:id="rId19"/>
   </p:sldIdLst>
   <p:sldSz cx="12192000" cy="6858000"/>
   <p:notesSz cx="6858000" cy="9144000"/>
@@ -1334,7 +1334,7 @@
           <a:p>
             <a:fld id="{C17F2C1D-F243-42AB-ADF2-E7CB4E04900E}" type="datetimeFigureOut">
               <a:rPr lang="en-US" smtClean="0"/>
-              <a:t>5/31/2022</a:t>
+              <a:t>6/1/2022</a:t>
             </a:fld>
             <a:endParaRPr lang="en-US"/>
           </a:p>
@@ -1511,7 +1511,7 @@
           <a:p>
             <a:fld id="{020CE34E-5667-4A32-A6BA-10C7A552BC63}" type="datetimeFigureOut">
               <a:rPr lang="en-US" smtClean="0"/>
-              <a:t>5/31/2022</a:t>
+              <a:t>6/1/2022</a:t>
             </a:fld>
             <a:endParaRPr lang="en-US"/>
           </a:p>
@@ -2431,7 +2431,7 @@
           <a:p>
             <a:fld id="{1983A999-5E0E-42CA-8400-604AE921FF7C}" type="slidenum">
               <a:rPr lang="en-US" smtClean="0"/>
-              <a:t>14</a:t>
+              <a:t>13</a:t>
             </a:fld>
             <a:endParaRPr lang="en-US"/>
           </a:p>
@@ -2440,91 +2440,7 @@
     </p:spTree>
     <p:extLst>
       <p:ext uri="{BB962C8B-B14F-4D97-AF65-F5344CB8AC3E}">
-        <p14:creationId xmlns:p14="http://schemas.microsoft.com/office/powerpoint/2010/main" val="1948268156"/>
-      </p:ext>
-    </p:extLst>
-  </p:cSld>
-  <p:clrMapOvr>
-    <a:masterClrMapping/>
-  </p:clrMapOvr>
-</p:notes>
-</file>
-
-<file path=ppt/notesSlides/notesSlide9.xml><?xml version="1.0" encoding="utf-8"?>
-<p:notes xmlns:a="http://schemas.openxmlformats.org/drawingml/2006/main" xmlns:r="http://schemas.openxmlformats.org/officeDocument/2006/relationships" xmlns:p="http://schemas.openxmlformats.org/presentationml/2006/main">
-  <p:cSld>
-    <p:spTree>
-      <p:nvGrpSpPr>
-        <p:cNvPr id="1" name=""/>
-        <p:cNvGrpSpPr/>
-        <p:nvPr/>
-      </p:nvGrpSpPr>
-      <p:grpSpPr>
-        <a:xfrm>
-          <a:off x="0" y="0"/>
-          <a:ext cx="0" cy="0"/>
-          <a:chOff x="0" y="0"/>
-          <a:chExt cx="0" cy="0"/>
-        </a:xfrm>
-      </p:grpSpPr>
-      <p:sp>
-        <p:nvSpPr>
-          <p:cNvPr id="2" name="Slide Image Placeholder 1"/>
-          <p:cNvSpPr>
-            <a:spLocks noGrp="1" noRot="1" noChangeAspect="1"/>
-          </p:cNvSpPr>
-          <p:nvPr>
-            <p:ph type="sldImg"/>
-          </p:nvPr>
-        </p:nvSpPr>
-        <p:spPr/>
-      </p:sp>
-      <p:sp>
-        <p:nvSpPr>
-          <p:cNvPr id="3" name="Notes Placeholder 2"/>
-          <p:cNvSpPr>
-            <a:spLocks noGrp="1"/>
-          </p:cNvSpPr>
-          <p:nvPr>
-            <p:ph type="body" idx="1"/>
-          </p:nvPr>
-        </p:nvSpPr>
-        <p:spPr/>
-        <p:txBody>
-          <a:bodyPr/>
-          <a:lstStyle/>
-          <a:p>
-            <a:endParaRPr lang="en-US" dirty="0"/>
-          </a:p>
-        </p:txBody>
-      </p:sp>
-      <p:sp>
-        <p:nvSpPr>
-          <p:cNvPr id="4" name="Slide Number Placeholder 3"/>
-          <p:cNvSpPr>
-            <a:spLocks noGrp="1"/>
-          </p:cNvSpPr>
-          <p:nvPr>
-            <p:ph type="sldNum" sz="quarter" idx="5"/>
-          </p:nvPr>
-        </p:nvSpPr>
-        <p:spPr/>
-        <p:txBody>
-          <a:bodyPr/>
-          <a:lstStyle/>
-          <a:p>
-            <a:fld id="{1983A999-5E0E-42CA-8400-604AE921FF7C}" type="slidenum">
-              <a:rPr lang="en-US" smtClean="0"/>
-              <a:t>15</a:t>
-            </a:fld>
-            <a:endParaRPr lang="en-US"/>
-          </a:p>
-        </p:txBody>
-      </p:sp>
-    </p:spTree>
-    <p:extLst>
-      <p:ext uri="{BB962C8B-B14F-4D97-AF65-F5344CB8AC3E}">
-        <p14:creationId xmlns:p14="http://schemas.microsoft.com/office/powerpoint/2010/main" val="807590046"/>
+        <p14:creationId xmlns:p14="http://schemas.microsoft.com/office/powerpoint/2010/main" val="3325475818"/>
       </p:ext>
     </p:extLst>
   </p:cSld>
@@ -14740,73 +14656,6 @@
       </p:grpSpPr>
       <p:sp>
         <p:nvSpPr>
-          <p:cNvPr id="4" name="Date Placeholder 3">
-            <a:extLst>
-              <a:ext uri="{FF2B5EF4-FFF2-40B4-BE49-F238E27FC236}">
-                <a16:creationId xmlns:a16="http://schemas.microsoft.com/office/drawing/2014/main" id="{0C329F70-04F7-4C70-BCF8-D4371F54EF2F}"/>
-              </a:ext>
-            </a:extLst>
-          </p:cNvPr>
-          <p:cNvSpPr>
-            <a:spLocks noGrp="1"/>
-          </p:cNvSpPr>
-          <p:nvPr>
-            <p:ph type="dt" sz="half" idx="10"/>
-          </p:nvPr>
-        </p:nvSpPr>
-        <p:spPr>
-          <a:xfrm>
-            <a:off x="550863" y="6507212"/>
-            <a:ext cx="2628900" cy="153888"/>
-          </a:xfrm>
-        </p:spPr>
-        <p:txBody>
-          <a:bodyPr/>
-          <a:lstStyle/>
-          <a:p>
-            <a:r>
-              <a:rPr lang="en-US"/>
-              <a:t>Tuesday, February 2, 20XX</a:t>
-            </a:r>
-            <a:endParaRPr lang="en-US" dirty="0"/>
-          </a:p>
-        </p:txBody>
-      </p:sp>
-      <p:sp>
-        <p:nvSpPr>
-          <p:cNvPr id="5" name="Footer Placeholder 4">
-            <a:extLst>
-              <a:ext uri="{FF2B5EF4-FFF2-40B4-BE49-F238E27FC236}">
-                <a16:creationId xmlns:a16="http://schemas.microsoft.com/office/drawing/2014/main" id="{06A3302E-502D-4151-81C9-5FD6AF9596D6}"/>
-              </a:ext>
-            </a:extLst>
-          </p:cNvPr>
-          <p:cNvSpPr>
-            <a:spLocks noGrp="1"/>
-          </p:cNvSpPr>
-          <p:nvPr>
-            <p:ph type="ftr" sz="quarter" idx="11"/>
-          </p:nvPr>
-        </p:nvSpPr>
-        <p:spPr>
-          <a:xfrm>
-            <a:off x="3359150" y="6507212"/>
-            <a:ext cx="6379210" cy="153888"/>
-          </a:xfrm>
-        </p:spPr>
-        <p:txBody>
-          <a:bodyPr/>
-          <a:lstStyle/>
-          <a:p>
-            <a:r>
-              <a:rPr lang="en-US"/>
-              <a:t>Sample Footer Text</a:t>
-            </a:r>
-          </a:p>
-        </p:txBody>
-      </p:sp>
-      <p:sp>
-        <p:nvSpPr>
           <p:cNvPr id="6" name="Slide Number Placeholder 5">
             <a:extLst>
               <a:ext uri="{FF2B5EF4-FFF2-40B4-BE49-F238E27FC236}">
@@ -14934,6 +14783,72 @@
           </a:prstGeom>
         </p:spPr>
       </p:pic>
+      <p:sp>
+        <p:nvSpPr>
+          <p:cNvPr id="8" name="Date Placeholder 18">
+            <a:extLst>
+              <a:ext uri="{FF2B5EF4-FFF2-40B4-BE49-F238E27FC236}">
+                <a16:creationId xmlns:a16="http://schemas.microsoft.com/office/drawing/2014/main" id="{F4C3FBCE-535F-B310-21ED-CFA64C96BB40}"/>
+              </a:ext>
+            </a:extLst>
+          </p:cNvPr>
+          <p:cNvSpPr>
+            <a:spLocks noGrp="1"/>
+          </p:cNvSpPr>
+          <p:nvPr>
+            <p:ph type="dt" sz="half" idx="10"/>
+          </p:nvPr>
+        </p:nvSpPr>
+        <p:spPr>
+          <a:xfrm>
+            <a:off x="550863" y="6507212"/>
+            <a:ext cx="2628900" cy="153888"/>
+          </a:xfrm>
+        </p:spPr>
+        <p:txBody>
+          <a:bodyPr/>
+          <a:lstStyle/>
+          <a:p>
+            <a:r>
+              <a:rPr lang="en-US" dirty="0"/>
+              <a:t>01.06.2022</a:t>
+            </a:r>
+          </a:p>
+        </p:txBody>
+      </p:sp>
+      <p:sp>
+        <p:nvSpPr>
+          <p:cNvPr id="10" name="Footer Placeholder 19">
+            <a:extLst>
+              <a:ext uri="{FF2B5EF4-FFF2-40B4-BE49-F238E27FC236}">
+                <a16:creationId xmlns:a16="http://schemas.microsoft.com/office/drawing/2014/main" id="{C2924D80-4D0A-A1AE-B457-6D054305DC66}"/>
+              </a:ext>
+            </a:extLst>
+          </p:cNvPr>
+          <p:cNvSpPr>
+            <a:spLocks noGrp="1"/>
+          </p:cNvSpPr>
+          <p:nvPr>
+            <p:ph type="ftr" sz="quarter" idx="11"/>
+          </p:nvPr>
+        </p:nvSpPr>
+        <p:spPr>
+          <a:xfrm>
+            <a:off x="3359150" y="6507212"/>
+            <a:ext cx="6379210" cy="153888"/>
+          </a:xfrm>
+        </p:spPr>
+        <p:txBody>
+          <a:bodyPr/>
+          <a:lstStyle/>
+          <a:p>
+            <a:r>
+              <a:rPr lang="en-US" dirty="0"/>
+              <a:t>APPROXIMATE NEAREST NEIGHBOR SEARCH</a:t>
+            </a:r>
+          </a:p>
+        </p:txBody>
+      </p:sp>
     </p:spTree>
     <p:extLst>
       <p:ext uri="{BB962C8B-B14F-4D97-AF65-F5344CB8AC3E}">
@@ -15028,73 +14943,6 @@
           </a:graphicData>
         </a:graphic>
       </p:graphicFrame>
-      <p:sp>
-        <p:nvSpPr>
-          <p:cNvPr id="4" name="Date Placeholder 3">
-            <a:extLst>
-              <a:ext uri="{FF2B5EF4-FFF2-40B4-BE49-F238E27FC236}">
-                <a16:creationId xmlns:a16="http://schemas.microsoft.com/office/drawing/2014/main" id="{E39EF484-38C8-4EDC-ACF5-695CFB216839}"/>
-              </a:ext>
-            </a:extLst>
-          </p:cNvPr>
-          <p:cNvSpPr>
-            <a:spLocks noGrp="1"/>
-          </p:cNvSpPr>
-          <p:nvPr>
-            <p:ph type="dt" sz="half" idx="10"/>
-          </p:nvPr>
-        </p:nvSpPr>
-        <p:spPr>
-          <a:xfrm>
-            <a:off x="550863" y="6507212"/>
-            <a:ext cx="2628900" cy="153888"/>
-          </a:xfrm>
-        </p:spPr>
-        <p:txBody>
-          <a:bodyPr/>
-          <a:lstStyle/>
-          <a:p>
-            <a:r>
-              <a:rPr lang="en-US"/>
-              <a:t>Tuesday, February 2, 20XX</a:t>
-            </a:r>
-            <a:endParaRPr lang="en-US" dirty="0"/>
-          </a:p>
-        </p:txBody>
-      </p:sp>
-      <p:sp>
-        <p:nvSpPr>
-          <p:cNvPr id="5" name="Footer Placeholder 4">
-            <a:extLst>
-              <a:ext uri="{FF2B5EF4-FFF2-40B4-BE49-F238E27FC236}">
-                <a16:creationId xmlns:a16="http://schemas.microsoft.com/office/drawing/2014/main" id="{AFD183D7-B16E-4A9D-BC4B-D1EC347BF97E}"/>
-              </a:ext>
-            </a:extLst>
-          </p:cNvPr>
-          <p:cNvSpPr>
-            <a:spLocks noGrp="1"/>
-          </p:cNvSpPr>
-          <p:nvPr>
-            <p:ph type="ftr" sz="quarter" idx="11"/>
-          </p:nvPr>
-        </p:nvSpPr>
-        <p:spPr>
-          <a:xfrm>
-            <a:off x="3359150" y="6507212"/>
-            <a:ext cx="6379210" cy="153888"/>
-          </a:xfrm>
-        </p:spPr>
-        <p:txBody>
-          <a:bodyPr/>
-          <a:lstStyle/>
-          <a:p>
-            <a:r>
-              <a:rPr lang="en-US"/>
-              <a:t>Sample Footer Text</a:t>
-            </a:r>
-          </a:p>
-        </p:txBody>
-      </p:sp>
       <p:sp>
         <p:nvSpPr>
           <p:cNvPr id="6" name="Slide Number Placeholder 5">
@@ -15368,6 +15216,72 @@
           </a:p>
         </p:txBody>
       </p:sp>
+      <p:sp>
+        <p:nvSpPr>
+          <p:cNvPr id="9" name="Date Placeholder 18">
+            <a:extLst>
+              <a:ext uri="{FF2B5EF4-FFF2-40B4-BE49-F238E27FC236}">
+                <a16:creationId xmlns:a16="http://schemas.microsoft.com/office/drawing/2014/main" id="{502F4E60-9F6B-4E67-FDDF-C809B9A2404D}"/>
+              </a:ext>
+            </a:extLst>
+          </p:cNvPr>
+          <p:cNvSpPr>
+            <a:spLocks noGrp="1"/>
+          </p:cNvSpPr>
+          <p:nvPr>
+            <p:ph type="dt" sz="half" idx="10"/>
+          </p:nvPr>
+        </p:nvSpPr>
+        <p:spPr>
+          <a:xfrm>
+            <a:off x="550863" y="6507212"/>
+            <a:ext cx="2628900" cy="153888"/>
+          </a:xfrm>
+        </p:spPr>
+        <p:txBody>
+          <a:bodyPr/>
+          <a:lstStyle/>
+          <a:p>
+            <a:r>
+              <a:rPr lang="en-US" dirty="0"/>
+              <a:t>01.06.2022</a:t>
+            </a:r>
+          </a:p>
+        </p:txBody>
+      </p:sp>
+      <p:sp>
+        <p:nvSpPr>
+          <p:cNvPr id="10" name="Footer Placeholder 19">
+            <a:extLst>
+              <a:ext uri="{FF2B5EF4-FFF2-40B4-BE49-F238E27FC236}">
+                <a16:creationId xmlns:a16="http://schemas.microsoft.com/office/drawing/2014/main" id="{B83C6FBA-AD6F-583D-1C35-8721B82B3629}"/>
+              </a:ext>
+            </a:extLst>
+          </p:cNvPr>
+          <p:cNvSpPr>
+            <a:spLocks noGrp="1"/>
+          </p:cNvSpPr>
+          <p:nvPr>
+            <p:ph type="ftr" sz="quarter" idx="11"/>
+          </p:nvPr>
+        </p:nvSpPr>
+        <p:spPr>
+          <a:xfrm>
+            <a:off x="3359150" y="6507212"/>
+            <a:ext cx="6379210" cy="153888"/>
+          </a:xfrm>
+        </p:spPr>
+        <p:txBody>
+          <a:bodyPr/>
+          <a:lstStyle/>
+          <a:p>
+            <a:r>
+              <a:rPr lang="en-US" dirty="0"/>
+              <a:t>APPROXIMATE NEAREST NEIGHBOR SEARCH</a:t>
+            </a:r>
+          </a:p>
+        </p:txBody>
+      </p:sp>
     </p:spTree>
     <p:extLst>
       <p:ext uri="{BB962C8B-B14F-4D97-AF65-F5344CB8AC3E}">
@@ -15489,24 +15403,25 @@
         </p:spPr>
         <p:txBody>
           <a:bodyPr>
-            <a:normAutofit lnSpcReduction="10000"/>
+            <a:normAutofit fontScale="85000" lnSpcReduction="10000"/>
           </a:bodyPr>
           <a:lstStyle/>
           <a:p>
-            <a:pPr marL="342900" indent="-342900">
-              <a:buFont typeface="Arial" panose="020B0604020202020204" pitchFamily="34" charset="0"/>
-              <a:buChar char="•"/>
-            </a:pPr>
             <a:r>
               <a:rPr lang="en-US" sz="2400" dirty="0"/>
               <a:t>+  High accuracy even with large dimensions. Approximation-Accuracy trade-off very good</a:t>
             </a:r>
           </a:p>
           <a:p>
-            <a:pPr marL="342900" indent="-342900">
-              <a:buFont typeface="Arial" panose="020B0604020202020204" pitchFamily="34" charset="0"/>
-              <a:buChar char="•"/>
-            </a:pPr>
+            <a:r>
+              <a:rPr lang="en-US" sz="2400" dirty="0">
+                <a:sym typeface="Wingdings" panose="05000000000000000000" pitchFamily="2" charset="2"/>
+              </a:rPr>
+              <a:t>+ Runtime (almost) independent of dimensionality</a:t>
+            </a:r>
+            <a:endParaRPr lang="en-US" sz="2400" dirty="0"/>
+          </a:p>
+          <a:p>
             <a:r>
               <a:rPr lang="en-US" sz="2400" dirty="0"/>
               <a:t>- Currently no proper way of swapping graph parts from disk to memory and vice versa (for very large datasets)</a:t>
@@ -15516,10 +15431,45 @@
       </p:sp>
       <p:sp>
         <p:nvSpPr>
-          <p:cNvPr id="4" name="Date Placeholder 3">
-            <a:extLst>
-              <a:ext uri="{FF2B5EF4-FFF2-40B4-BE49-F238E27FC236}">
-                <a16:creationId xmlns:a16="http://schemas.microsoft.com/office/drawing/2014/main" id="{0C329F70-04F7-4C70-BCF8-D4371F54EF2F}"/>
+          <p:cNvPr id="6" name="Slide Number Placeholder 5">
+            <a:extLst>
+              <a:ext uri="{FF2B5EF4-FFF2-40B4-BE49-F238E27FC236}">
+                <a16:creationId xmlns:a16="http://schemas.microsoft.com/office/drawing/2014/main" id="{9ED907F8-C614-4D59-A03F-BF9CD5E35703}"/>
+              </a:ext>
+            </a:extLst>
+          </p:cNvPr>
+          <p:cNvSpPr>
+            <a:spLocks noGrp="1"/>
+          </p:cNvSpPr>
+          <p:nvPr>
+            <p:ph type="sldNum" sz="quarter" idx="12"/>
+          </p:nvPr>
+        </p:nvSpPr>
+        <p:spPr>
+          <a:xfrm>
+            <a:off x="9948863" y="6507212"/>
+            <a:ext cx="1692274" cy="153888"/>
+          </a:xfrm>
+        </p:spPr>
+        <p:txBody>
+          <a:bodyPr/>
+          <a:lstStyle/>
+          <a:p>
+            <a:fld id="{DBA1B0FB-D917-4C8C-928F-313BD683BF39}" type="slidenum">
+              <a:rPr lang="en-US" smtClean="0"/>
+              <a:pPr/>
+              <a:t>12</a:t>
+            </a:fld>
+            <a:endParaRPr lang="en-US"/>
+          </a:p>
+        </p:txBody>
+      </p:sp>
+      <p:sp>
+        <p:nvSpPr>
+          <p:cNvPr id="8" name="Date Placeholder 18">
+            <a:extLst>
+              <a:ext uri="{FF2B5EF4-FFF2-40B4-BE49-F238E27FC236}">
+                <a16:creationId xmlns:a16="http://schemas.microsoft.com/office/drawing/2014/main" id="{6F0C308D-810D-89A7-19CF-E26413F8D5D9}"/>
               </a:ext>
             </a:extLst>
           </p:cNvPr>
@@ -15541,19 +15491,18 @@
           <a:lstStyle/>
           <a:p>
             <a:r>
-              <a:rPr lang="en-US"/>
-              <a:t>Tuesday, February 2, 20XX</a:t>
-            </a:r>
-            <a:endParaRPr lang="en-US" dirty="0"/>
-          </a:p>
-        </p:txBody>
-      </p:sp>
-      <p:sp>
-        <p:nvSpPr>
-          <p:cNvPr id="5" name="Footer Placeholder 4">
-            <a:extLst>
-              <a:ext uri="{FF2B5EF4-FFF2-40B4-BE49-F238E27FC236}">
-                <a16:creationId xmlns:a16="http://schemas.microsoft.com/office/drawing/2014/main" id="{06A3302E-502D-4151-81C9-5FD6AF9596D6}"/>
+              <a:rPr lang="en-US" dirty="0"/>
+              <a:t>01.06.2022</a:t>
+            </a:r>
+          </a:p>
+        </p:txBody>
+      </p:sp>
+      <p:sp>
+        <p:nvSpPr>
+          <p:cNvPr id="9" name="Footer Placeholder 19">
+            <a:extLst>
+              <a:ext uri="{FF2B5EF4-FFF2-40B4-BE49-F238E27FC236}">
+                <a16:creationId xmlns:a16="http://schemas.microsoft.com/office/drawing/2014/main" id="{599996EB-3D76-607D-83EB-FCF3783CE4FF}"/>
               </a:ext>
             </a:extLst>
           </p:cNvPr>
@@ -15576,43 +15525,8 @@
           <a:p>
             <a:r>
               <a:rPr lang="en-US" dirty="0"/>
-              <a:t>Sample Footer Text</a:t>
-            </a:r>
-          </a:p>
-        </p:txBody>
-      </p:sp>
-      <p:sp>
-        <p:nvSpPr>
-          <p:cNvPr id="6" name="Slide Number Placeholder 5">
-            <a:extLst>
-              <a:ext uri="{FF2B5EF4-FFF2-40B4-BE49-F238E27FC236}">
-                <a16:creationId xmlns:a16="http://schemas.microsoft.com/office/drawing/2014/main" id="{9ED907F8-C614-4D59-A03F-BF9CD5E35703}"/>
-              </a:ext>
-            </a:extLst>
-          </p:cNvPr>
-          <p:cNvSpPr>
-            <a:spLocks noGrp="1"/>
-          </p:cNvSpPr>
-          <p:nvPr>
-            <p:ph type="sldNum" sz="quarter" idx="12"/>
-          </p:nvPr>
-        </p:nvSpPr>
-        <p:spPr>
-          <a:xfrm>
-            <a:off x="9948863" y="6507212"/>
-            <a:ext cx="1692274" cy="153888"/>
-          </a:xfrm>
-        </p:spPr>
-        <p:txBody>
-          <a:bodyPr/>
-          <a:lstStyle/>
-          <a:p>
-            <a:fld id="{DBA1B0FB-D917-4C8C-928F-313BD683BF39}" type="slidenum">
-              <a:rPr lang="en-US" smtClean="0"/>
-              <a:pPr/>
-              <a:t>12</a:t>
-            </a:fld>
-            <a:endParaRPr lang="en-US"/>
+              <a:t>APPROXIMATE NEAREST NEIGHBOR SEARCH</a:t>
+            </a:r>
           </a:p>
         </p:txBody>
       </p:sp>
@@ -15648,10 +15562,10 @@
       </p:grpSpPr>
       <p:sp>
         <p:nvSpPr>
-          <p:cNvPr id="22" name="Title 21">
-            <a:extLst>
-              <a:ext uri="{FF2B5EF4-FFF2-40B4-BE49-F238E27FC236}">
-                <a16:creationId xmlns:a16="http://schemas.microsoft.com/office/drawing/2014/main" id="{F8FAEED9-1ECD-45F9-87A0-9394BAEABB79}"/>
+          <p:cNvPr id="11" name="Title 10">
+            <a:extLst>
+              <a:ext uri="{FF2B5EF4-FFF2-40B4-BE49-F238E27FC236}">
+                <a16:creationId xmlns:a16="http://schemas.microsoft.com/office/drawing/2014/main" id="{581E8936-2270-47FE-94A4-398CB123EF90}"/>
               </a:ext>
             </a:extLst>
           </p:cNvPr>
@@ -15659,13 +15573,13 @@
             <a:spLocks noGrp="1"/>
           </p:cNvSpPr>
           <p:nvPr>
-            <p:ph type="ctrTitle"/>
+            <p:ph type="title"/>
           </p:nvPr>
         </p:nvSpPr>
         <p:spPr>
           <a:xfrm>
-            <a:off x="550863" y="549275"/>
-            <a:ext cx="5437187" cy="2986234"/>
+            <a:off x="550863" y="4508500"/>
+            <a:ext cx="4500562" cy="1562959"/>
           </a:xfrm>
         </p:spPr>
         <p:txBody>
@@ -15674,50 +15588,17 @@
           <a:p>
             <a:r>
               <a:rPr lang="en-US" dirty="0"/>
-              <a:t>Thank You</a:t>
-            </a:r>
-          </a:p>
-        </p:txBody>
-      </p:sp>
-      <p:sp>
-        <p:nvSpPr>
-          <p:cNvPr id="23" name="Subtitle 22">
-            <a:extLst>
-              <a:ext uri="{FF2B5EF4-FFF2-40B4-BE49-F238E27FC236}">
-                <a16:creationId xmlns:a16="http://schemas.microsoft.com/office/drawing/2014/main" id="{8E5E4638-9BCB-4C2E-914F-CC868E2020D5}"/>
-              </a:ext>
-            </a:extLst>
-          </p:cNvPr>
-          <p:cNvSpPr>
-            <a:spLocks noGrp="1"/>
-          </p:cNvSpPr>
-          <p:nvPr>
-            <p:ph type="subTitle" idx="1"/>
-          </p:nvPr>
-        </p:nvSpPr>
-        <p:spPr>
-          <a:xfrm>
-            <a:off x="550863" y="3827610"/>
-            <a:ext cx="5437187" cy="2265216"/>
-          </a:xfrm>
-        </p:spPr>
-        <p:txBody>
-          <a:bodyPr/>
-          <a:lstStyle/>
-          <a:p>
-            <a:r>
-              <a:rPr lang="en-US" dirty="0"/>
-              <a:t>Let us discuss</a:t>
+              <a:t>Next steps</a:t>
             </a:r>
           </a:p>
         </p:txBody>
       </p:sp>
       <p:pic>
         <p:nvPicPr>
-          <p:cNvPr id="27" name="Picture Placeholder 26" descr="Data Points Digital background">
-            <a:extLst>
-              <a:ext uri="{FF2B5EF4-FFF2-40B4-BE49-F238E27FC236}">
-                <a16:creationId xmlns:a16="http://schemas.microsoft.com/office/drawing/2014/main" id="{9E660784-34E2-4CDA-926A-DDD6AAF35046}"/>
+          <p:cNvPr id="16" name="Picture Placeholder 15" descr="Data Points Digital background">
+            <a:extLst>
+              <a:ext uri="{FF2B5EF4-FFF2-40B4-BE49-F238E27FC236}">
+                <a16:creationId xmlns:a16="http://schemas.microsoft.com/office/drawing/2014/main" id="{361E9ADB-7377-4CF1-9AE4-AEFBDEBEEEEC}"/>
               </a:ext>
             </a:extLst>
           </p:cNvPr>
@@ -15725,11 +15606,11 @@
             <a:picLocks noGrp="1" noChangeAspect="1"/>
           </p:cNvPicPr>
           <p:nvPr>
-            <p:ph type="pic" sz="quarter" idx="15"/>
+            <p:ph type="pic" sz="quarter" idx="13"/>
           </p:nvPr>
         </p:nvPicPr>
         <p:blipFill rotWithShape="1">
-          <a:blip r:embed="rId2" cstate="screen">
+          <a:blip r:embed="rId3" cstate="screen">
             <a:extLst>
               <a:ext uri="{28A0092B-C50C-407E-A947-70E740481C1C}">
                 <a14:useLocalDpi xmlns:a14="http://schemas.microsoft.com/office/drawing/2010/main" val="0"/>
@@ -15741,51 +15622,99 @@
         </p:blipFill>
         <p:spPr>
           <a:xfrm>
-            <a:off x="6556248" y="548640"/>
-            <a:ext cx="5084064" cy="2880360"/>
+            <a:off x="0" y="0"/>
+            <a:ext cx="12192000" cy="3776472"/>
           </a:xfrm>
         </p:spPr>
       </p:pic>
-      <p:pic>
-        <p:nvPicPr>
-          <p:cNvPr id="33" name="Picture Placeholder 32" descr="Data Points Digital background">
-            <a:extLst>
-              <a:ext uri="{FF2B5EF4-FFF2-40B4-BE49-F238E27FC236}">
-                <a16:creationId xmlns:a16="http://schemas.microsoft.com/office/drawing/2014/main" id="{48106962-23C6-4DFE-BB3A-E5FFF03F38CE}"/>
-              </a:ext>
-            </a:extLst>
-          </p:cNvPr>
-          <p:cNvPicPr>
-            <a:picLocks noGrp="1" noChangeAspect="1"/>
-          </p:cNvPicPr>
-          <p:nvPr>
-            <p:ph type="pic" sz="quarter" idx="16"/>
-          </p:nvPr>
-        </p:nvPicPr>
-        <p:blipFill rotWithShape="1">
-          <a:blip r:embed="rId3" cstate="screen">
-            <a:extLst>
-              <a:ext uri="{28A0092B-C50C-407E-A947-70E740481C1C}">
-                <a14:useLocalDpi xmlns:a14="http://schemas.microsoft.com/office/drawing/2010/main" val="0"/>
-              </a:ext>
-            </a:extLst>
-          </a:blip>
-          <a:srcRect/>
-          <a:stretch/>
-        </p:blipFill>
+      <p:sp>
+        <p:nvSpPr>
+          <p:cNvPr id="13" name="Content Placeholder 12">
+            <a:extLst>
+              <a:ext uri="{FF2B5EF4-FFF2-40B4-BE49-F238E27FC236}">
+                <a16:creationId xmlns:a16="http://schemas.microsoft.com/office/drawing/2014/main" id="{C0287FEC-3826-4868-8D93-52429C6156F5}"/>
+              </a:ext>
+            </a:extLst>
+          </p:cNvPr>
+          <p:cNvSpPr>
+            <a:spLocks noGrp="1"/>
+          </p:cNvSpPr>
+          <p:nvPr>
+            <p:ph sz="quarter" idx="15"/>
+          </p:nvPr>
+        </p:nvSpPr>
         <p:spPr>
           <a:xfrm>
-            <a:off x="6556248" y="3429000"/>
-            <a:ext cx="5084064" cy="2880360"/>
+            <a:off x="5251653" y="4195640"/>
+            <a:ext cx="6221412" cy="2188677"/>
           </a:xfrm>
         </p:spPr>
-      </p:pic>
-      <p:sp>
-        <p:nvSpPr>
-          <p:cNvPr id="4" name="Date Placeholder 3">
-            <a:extLst>
-              <a:ext uri="{FF2B5EF4-FFF2-40B4-BE49-F238E27FC236}">
-                <a16:creationId xmlns:a16="http://schemas.microsoft.com/office/drawing/2014/main" id="{7823E305-6365-4345-8BD1-4A31C61D96CB}"/>
+        <p:txBody>
+          <a:bodyPr>
+            <a:normAutofit/>
+          </a:bodyPr>
+          <a:lstStyle/>
+          <a:p>
+            <a:r>
+              <a:rPr lang="en-US" sz="2400" dirty="0"/>
+              <a:t>Performance/Accuracy improvements</a:t>
+            </a:r>
+          </a:p>
+          <a:p>
+            <a:r>
+              <a:rPr lang="en-US" sz="2400" dirty="0"/>
+              <a:t>Testing with bigger dataset</a:t>
+            </a:r>
+          </a:p>
+          <a:p>
+            <a:r>
+              <a:rPr lang="en-US" sz="2400" dirty="0"/>
+              <a:t>Load graph partially from disk</a:t>
+            </a:r>
+          </a:p>
+        </p:txBody>
+      </p:sp>
+      <p:sp>
+        <p:nvSpPr>
+          <p:cNvPr id="6" name="Slide Number Placeholder 5">
+            <a:extLst>
+              <a:ext uri="{FF2B5EF4-FFF2-40B4-BE49-F238E27FC236}">
+                <a16:creationId xmlns:a16="http://schemas.microsoft.com/office/drawing/2014/main" id="{9ED907F8-C614-4D59-A03F-BF9CD5E35703}"/>
+              </a:ext>
+            </a:extLst>
+          </p:cNvPr>
+          <p:cNvSpPr>
+            <a:spLocks noGrp="1"/>
+          </p:cNvSpPr>
+          <p:nvPr>
+            <p:ph type="sldNum" sz="quarter" idx="12"/>
+          </p:nvPr>
+        </p:nvSpPr>
+        <p:spPr>
+          <a:xfrm>
+            <a:off x="9948863" y="6507212"/>
+            <a:ext cx="1692274" cy="153888"/>
+          </a:xfrm>
+        </p:spPr>
+        <p:txBody>
+          <a:bodyPr/>
+          <a:lstStyle/>
+          <a:p>
+            <a:fld id="{DBA1B0FB-D917-4C8C-928F-313BD683BF39}" type="slidenum">
+              <a:rPr lang="en-US" smtClean="0"/>
+              <a:pPr/>
+              <a:t>13</a:t>
+            </a:fld>
+            <a:endParaRPr lang="en-US"/>
+          </a:p>
+        </p:txBody>
+      </p:sp>
+      <p:sp>
+        <p:nvSpPr>
+          <p:cNvPr id="8" name="Date Placeholder 18">
+            <a:extLst>
+              <a:ext uri="{FF2B5EF4-FFF2-40B4-BE49-F238E27FC236}">
+                <a16:creationId xmlns:a16="http://schemas.microsoft.com/office/drawing/2014/main" id="{6F0C308D-810D-89A7-19CF-E26413F8D5D9}"/>
               </a:ext>
             </a:extLst>
           </p:cNvPr>
@@ -15807,18 +15736,18 @@
           <a:lstStyle/>
           <a:p>
             <a:r>
-              <a:rPr lang="en-US"/>
-              <a:t>Tuesday, February 2, 20XX</a:t>
-            </a:r>
-          </a:p>
-        </p:txBody>
-      </p:sp>
-      <p:sp>
-        <p:nvSpPr>
-          <p:cNvPr id="5" name="Footer Placeholder 4">
-            <a:extLst>
-              <a:ext uri="{FF2B5EF4-FFF2-40B4-BE49-F238E27FC236}">
-                <a16:creationId xmlns:a16="http://schemas.microsoft.com/office/drawing/2014/main" id="{0B37A3FF-ED32-4C4A-A21F-848A3BF6F896}"/>
+              <a:rPr lang="en-US" dirty="0"/>
+              <a:t>01.06.2022</a:t>
+            </a:r>
+          </a:p>
+        </p:txBody>
+      </p:sp>
+      <p:sp>
+        <p:nvSpPr>
+          <p:cNvPr id="9" name="Footer Placeholder 19">
+            <a:extLst>
+              <a:ext uri="{FF2B5EF4-FFF2-40B4-BE49-F238E27FC236}">
+                <a16:creationId xmlns:a16="http://schemas.microsoft.com/office/drawing/2014/main" id="{599996EB-3D76-607D-83EB-FCF3783CE4FF}"/>
               </a:ext>
             </a:extLst>
           </p:cNvPr>
@@ -15840,51 +15769,16 @@
           <a:lstStyle/>
           <a:p>
             <a:r>
-              <a:rPr lang="en-US"/>
-              <a:t>Sample Footer Text</a:t>
-            </a:r>
-          </a:p>
-        </p:txBody>
-      </p:sp>
-      <p:sp>
-        <p:nvSpPr>
-          <p:cNvPr id="6" name="Slide Number Placeholder 5">
-            <a:extLst>
-              <a:ext uri="{FF2B5EF4-FFF2-40B4-BE49-F238E27FC236}">
-                <a16:creationId xmlns:a16="http://schemas.microsoft.com/office/drawing/2014/main" id="{36E60F23-FB58-4EF8-82FD-E86CED25FDD4}"/>
-              </a:ext>
-            </a:extLst>
-          </p:cNvPr>
-          <p:cNvSpPr>
-            <a:spLocks noGrp="1"/>
-          </p:cNvSpPr>
-          <p:nvPr>
-            <p:ph type="sldNum" sz="quarter" idx="12"/>
-          </p:nvPr>
-        </p:nvSpPr>
-        <p:spPr>
-          <a:xfrm>
-            <a:off x="9948863" y="6507212"/>
-            <a:ext cx="1692274" cy="153888"/>
-          </a:xfrm>
-        </p:spPr>
-        <p:txBody>
-          <a:bodyPr/>
-          <a:lstStyle/>
-          <a:p>
-            <a:fld id="{DBA1B0FB-D917-4C8C-928F-313BD683BF39}" type="slidenum">
-              <a:rPr lang="en-US" smtClean="0"/>
-              <a:pPr/>
-              <a:t>13</a:t>
-            </a:fld>
-            <a:endParaRPr lang="en-US"/>
+              <a:rPr lang="en-US" dirty="0"/>
+              <a:t>APPROXIMATE NEAREST NEIGHBOR SEARCH</a:t>
+            </a:r>
           </a:p>
         </p:txBody>
       </p:sp>
     </p:spTree>
     <p:extLst>
       <p:ext uri="{BB962C8B-B14F-4D97-AF65-F5344CB8AC3E}">
-        <p14:creationId xmlns:p14="http://schemas.microsoft.com/office/powerpoint/2010/main" val="3247798845"/>
+        <p14:creationId xmlns:p14="http://schemas.microsoft.com/office/powerpoint/2010/main" val="509627154"/>
       </p:ext>
     </p:extLst>
   </p:cSld>
@@ -15913,10 +15807,10 @@
       </p:grpSpPr>
       <p:sp>
         <p:nvSpPr>
-          <p:cNvPr id="4" name="Date Placeholder 3">
-            <a:extLst>
-              <a:ext uri="{FF2B5EF4-FFF2-40B4-BE49-F238E27FC236}">
-                <a16:creationId xmlns:a16="http://schemas.microsoft.com/office/drawing/2014/main" id="{0C329F70-04F7-4C70-BCF8-D4371F54EF2F}"/>
+          <p:cNvPr id="22" name="Title 21">
+            <a:extLst>
+              <a:ext uri="{FF2B5EF4-FFF2-40B4-BE49-F238E27FC236}">
+                <a16:creationId xmlns:a16="http://schemas.microsoft.com/office/drawing/2014/main" id="{F8FAEED9-1ECD-45F9-87A0-9394BAEABB79}"/>
               </a:ext>
             </a:extLst>
           </p:cNvPr>
@@ -15924,13 +15818,13 @@
             <a:spLocks noGrp="1"/>
           </p:cNvSpPr>
           <p:nvPr>
-            <p:ph type="dt" sz="half" idx="10"/>
+            <p:ph type="ctrTitle"/>
           </p:nvPr>
         </p:nvSpPr>
         <p:spPr>
           <a:xfrm>
-            <a:off x="550863" y="6507212"/>
-            <a:ext cx="2628900" cy="153888"/>
+            <a:off x="550863" y="549275"/>
+            <a:ext cx="5437187" cy="2986234"/>
           </a:xfrm>
         </p:spPr>
         <p:txBody>
@@ -15938,19 +15832,18 @@
           <a:lstStyle/>
           <a:p>
             <a:r>
-              <a:rPr lang="en-US"/>
-              <a:t>Tuesday, February 2, 20XX</a:t>
-            </a:r>
-            <a:endParaRPr lang="en-US" dirty="0"/>
-          </a:p>
-        </p:txBody>
-      </p:sp>
-      <p:sp>
-        <p:nvSpPr>
-          <p:cNvPr id="5" name="Footer Placeholder 4">
-            <a:extLst>
-              <a:ext uri="{FF2B5EF4-FFF2-40B4-BE49-F238E27FC236}">
-                <a16:creationId xmlns:a16="http://schemas.microsoft.com/office/drawing/2014/main" id="{06A3302E-502D-4151-81C9-5FD6AF9596D6}"/>
+              <a:rPr lang="en-US" dirty="0"/>
+              <a:t>Thank You</a:t>
+            </a:r>
+          </a:p>
+        </p:txBody>
+      </p:sp>
+      <p:sp>
+        <p:nvSpPr>
+          <p:cNvPr id="23" name="Subtitle 22">
+            <a:extLst>
+              <a:ext uri="{FF2B5EF4-FFF2-40B4-BE49-F238E27FC236}">
+                <a16:creationId xmlns:a16="http://schemas.microsoft.com/office/drawing/2014/main" id="{8E5E4638-9BCB-4C2E-914F-CC868E2020D5}"/>
               </a:ext>
             </a:extLst>
           </p:cNvPr>
@@ -15958,13 +15851,13 @@
             <a:spLocks noGrp="1"/>
           </p:cNvSpPr>
           <p:nvPr>
-            <p:ph type="ftr" sz="quarter" idx="11"/>
+            <p:ph type="subTitle" idx="1"/>
           </p:nvPr>
         </p:nvSpPr>
         <p:spPr>
           <a:xfrm>
-            <a:off x="3359150" y="6507212"/>
-            <a:ext cx="6379210" cy="153888"/>
+            <a:off x="550863" y="3827610"/>
+            <a:ext cx="5437187" cy="2265216"/>
           </a:xfrm>
         </p:spPr>
         <p:txBody>
@@ -15972,18 +15865,92 @@
           <a:lstStyle/>
           <a:p>
             <a:r>
-              <a:rPr lang="en-US"/>
-              <a:t>Sample Footer Text</a:t>
-            </a:r>
-          </a:p>
-        </p:txBody>
-      </p:sp>
+              <a:rPr lang="en-US" dirty="0"/>
+              <a:t>Let us discuss</a:t>
+            </a:r>
+          </a:p>
+          <a:p>
+            <a:endParaRPr lang="en-US" dirty="0"/>
+          </a:p>
+          <a:p>
+            <a:endParaRPr lang="en-US" dirty="0"/>
+          </a:p>
+        </p:txBody>
+      </p:sp>
+      <p:pic>
+        <p:nvPicPr>
+          <p:cNvPr id="27" name="Picture Placeholder 26" descr="Data Points Digital background">
+            <a:extLst>
+              <a:ext uri="{FF2B5EF4-FFF2-40B4-BE49-F238E27FC236}">
+                <a16:creationId xmlns:a16="http://schemas.microsoft.com/office/drawing/2014/main" id="{9E660784-34E2-4CDA-926A-DDD6AAF35046}"/>
+              </a:ext>
+            </a:extLst>
+          </p:cNvPr>
+          <p:cNvPicPr>
+            <a:picLocks noGrp="1" noChangeAspect="1"/>
+          </p:cNvPicPr>
+          <p:nvPr>
+            <p:ph type="pic" sz="quarter" idx="15"/>
+          </p:nvPr>
+        </p:nvPicPr>
+        <p:blipFill rotWithShape="1">
+          <a:blip r:embed="rId2" cstate="screen">
+            <a:extLst>
+              <a:ext uri="{28A0092B-C50C-407E-A947-70E740481C1C}">
+                <a14:useLocalDpi xmlns:a14="http://schemas.microsoft.com/office/drawing/2010/main" val="0"/>
+              </a:ext>
+            </a:extLst>
+          </a:blip>
+          <a:srcRect/>
+          <a:stretch/>
+        </p:blipFill>
+        <p:spPr>
+          <a:xfrm>
+            <a:off x="6556248" y="548640"/>
+            <a:ext cx="5084064" cy="2880360"/>
+          </a:xfrm>
+        </p:spPr>
+      </p:pic>
+      <p:pic>
+        <p:nvPicPr>
+          <p:cNvPr id="33" name="Picture Placeholder 32" descr="Data Points Digital background">
+            <a:extLst>
+              <a:ext uri="{FF2B5EF4-FFF2-40B4-BE49-F238E27FC236}">
+                <a16:creationId xmlns:a16="http://schemas.microsoft.com/office/drawing/2014/main" id="{48106962-23C6-4DFE-BB3A-E5FFF03F38CE}"/>
+              </a:ext>
+            </a:extLst>
+          </p:cNvPr>
+          <p:cNvPicPr>
+            <a:picLocks noGrp="1" noChangeAspect="1"/>
+          </p:cNvPicPr>
+          <p:nvPr>
+            <p:ph type="pic" sz="quarter" idx="16"/>
+          </p:nvPr>
+        </p:nvPicPr>
+        <p:blipFill rotWithShape="1">
+          <a:blip r:embed="rId3" cstate="screen">
+            <a:extLst>
+              <a:ext uri="{28A0092B-C50C-407E-A947-70E740481C1C}">
+                <a14:useLocalDpi xmlns:a14="http://schemas.microsoft.com/office/drawing/2010/main" val="0"/>
+              </a:ext>
+            </a:extLst>
+          </a:blip>
+          <a:srcRect/>
+          <a:stretch/>
+        </p:blipFill>
+        <p:spPr>
+          <a:xfrm>
+            <a:off x="6556248" y="3429000"/>
+            <a:ext cx="5084064" cy="2880360"/>
+          </a:xfrm>
+        </p:spPr>
+      </p:pic>
       <p:sp>
         <p:nvSpPr>
           <p:cNvPr id="6" name="Slide Number Placeholder 5">
             <a:extLst>
               <a:ext uri="{FF2B5EF4-FFF2-40B4-BE49-F238E27FC236}">
-                <a16:creationId xmlns:a16="http://schemas.microsoft.com/office/drawing/2014/main" id="{9ED907F8-C614-4D59-A03F-BF9CD5E35703}"/>
+                <a16:creationId xmlns:a16="http://schemas.microsoft.com/office/drawing/2014/main" id="{36E60F23-FB58-4EF8-82FD-E86CED25FDD4}"/>
               </a:ext>
             </a:extLst>
           </p:cNvPr>
@@ -16013,10 +15980,223 @@
           </a:p>
         </p:txBody>
       </p:sp>
+      <p:sp>
+        <p:nvSpPr>
+          <p:cNvPr id="9" name="TextBox 8">
+            <a:extLst>
+              <a:ext uri="{FF2B5EF4-FFF2-40B4-BE49-F238E27FC236}">
+                <a16:creationId xmlns:a16="http://schemas.microsoft.com/office/drawing/2014/main" id="{FF37F274-444E-2648-B922-DB5E249A4DA8}"/>
+              </a:ext>
+            </a:extLst>
+          </p:cNvPr>
+          <p:cNvSpPr txBox="1"/>
+          <p:nvPr/>
+        </p:nvSpPr>
+        <p:spPr>
+          <a:xfrm>
+            <a:off x="457019" y="4869180"/>
+            <a:ext cx="5997570" cy="1477328"/>
+          </a:xfrm>
+          <a:prstGeom prst="rect">
+            <a:avLst/>
+          </a:prstGeom>
+          <a:noFill/>
+        </p:spPr>
+        <p:txBody>
+          <a:bodyPr wrap="square">
+            <a:spAutoFit/>
+          </a:bodyPr>
+          <a:lstStyle/>
+          <a:p>
+            <a:r>
+              <a:rPr lang="de-CH" dirty="0">
+                <a:effectLst/>
+              </a:rPr>
+              <a:t>[1] https://en.wikipedia.org/wiki/Nearest_neighbor_search</a:t>
+            </a:r>
+          </a:p>
+          <a:p>
+            <a:r>
+              <a:rPr lang="de-CH" dirty="0">
+                <a:effectLst/>
+              </a:rPr>
+              <a:t>[2] Y. </a:t>
+            </a:r>
+            <a:r>
+              <a:rPr lang="de-CH" dirty="0" err="1">
+                <a:effectLst/>
+              </a:rPr>
+              <a:t>Malkov</a:t>
+            </a:r>
+            <a:r>
+              <a:rPr lang="de-CH" dirty="0">
+                <a:effectLst/>
+              </a:rPr>
+              <a:t>, A. </a:t>
+            </a:r>
+            <a:r>
+              <a:rPr lang="de-CH" dirty="0" err="1">
+                <a:effectLst/>
+              </a:rPr>
+              <a:t>Ponomarenko</a:t>
+            </a:r>
+            <a:r>
+              <a:rPr lang="de-CH" dirty="0">
+                <a:effectLst/>
+              </a:rPr>
+              <a:t>, A. </a:t>
+            </a:r>
+            <a:r>
+              <a:rPr lang="de-CH" dirty="0" err="1">
+                <a:effectLst/>
+              </a:rPr>
+              <a:t>Logvinov</a:t>
+            </a:r>
+            <a:r>
+              <a:rPr lang="de-CH" dirty="0">
+                <a:effectLst/>
+              </a:rPr>
+              <a:t>, and V. </a:t>
+            </a:r>
+            <a:r>
+              <a:rPr lang="de-CH" dirty="0" err="1">
+                <a:effectLst/>
+              </a:rPr>
+              <a:t>Krylov</a:t>
+            </a:r>
+            <a:r>
+              <a:rPr lang="de-CH" dirty="0">
+                <a:effectLst/>
+              </a:rPr>
+              <a:t>, ‘</a:t>
+            </a:r>
+            <a:r>
+              <a:rPr lang="de-CH" dirty="0" err="1">
+                <a:effectLst/>
+              </a:rPr>
+              <a:t>Approximate</a:t>
+            </a:r>
+            <a:r>
+              <a:rPr lang="de-CH" dirty="0">
+                <a:effectLst/>
+              </a:rPr>
+              <a:t> </a:t>
+            </a:r>
+            <a:r>
+              <a:rPr lang="de-CH" dirty="0" err="1">
+                <a:effectLst/>
+              </a:rPr>
+              <a:t>nearest</a:t>
+            </a:r>
+            <a:r>
+              <a:rPr lang="de-CH" dirty="0">
+                <a:effectLst/>
+              </a:rPr>
+              <a:t> </a:t>
+            </a:r>
+            <a:r>
+              <a:rPr lang="de-CH" dirty="0" err="1">
+                <a:effectLst/>
+              </a:rPr>
+              <a:t>neighbor</a:t>
+            </a:r>
+            <a:r>
+              <a:rPr lang="de-CH" dirty="0">
+                <a:effectLst/>
+              </a:rPr>
+              <a:t> </a:t>
+            </a:r>
+            <a:r>
+              <a:rPr lang="de-CH" dirty="0" err="1">
+                <a:effectLst/>
+              </a:rPr>
+              <a:t>algorithm</a:t>
+            </a:r>
+            <a:r>
+              <a:rPr lang="de-CH" dirty="0">
+                <a:effectLst/>
+              </a:rPr>
+              <a:t> </a:t>
+            </a:r>
+            <a:r>
+              <a:rPr lang="de-CH" dirty="0" err="1">
+                <a:effectLst/>
+              </a:rPr>
+              <a:t>based</a:t>
+            </a:r>
+            <a:r>
+              <a:rPr lang="de-CH" dirty="0">
+                <a:effectLst/>
+              </a:rPr>
+              <a:t> on </a:t>
+            </a:r>
+            <a:r>
+              <a:rPr lang="de-CH" dirty="0" err="1">
+                <a:effectLst/>
+              </a:rPr>
+              <a:t>navigable</a:t>
+            </a:r>
+            <a:r>
+              <a:rPr lang="de-CH" dirty="0">
+                <a:effectLst/>
+              </a:rPr>
+              <a:t> </a:t>
+            </a:r>
+            <a:r>
+              <a:rPr lang="de-CH" dirty="0" err="1">
+                <a:effectLst/>
+              </a:rPr>
+              <a:t>small</a:t>
+            </a:r>
+            <a:r>
+              <a:rPr lang="de-CH" dirty="0">
+                <a:effectLst/>
+              </a:rPr>
+              <a:t> </a:t>
+            </a:r>
+            <a:r>
+              <a:rPr lang="de-CH" dirty="0" err="1">
+                <a:effectLst/>
+              </a:rPr>
+              <a:t>world</a:t>
+            </a:r>
+            <a:r>
+              <a:rPr lang="de-CH" dirty="0">
+                <a:effectLst/>
+              </a:rPr>
+              <a:t> </a:t>
+            </a:r>
+            <a:r>
+              <a:rPr lang="de-CH" dirty="0" err="1">
+                <a:effectLst/>
+              </a:rPr>
+              <a:t>graphs</a:t>
+            </a:r>
+            <a:r>
+              <a:rPr lang="de-CH" dirty="0">
+                <a:effectLst/>
+              </a:rPr>
+              <a:t>’, </a:t>
+            </a:r>
+            <a:r>
+              <a:rPr lang="de-CH" i="1" dirty="0">
+                <a:effectLst/>
+              </a:rPr>
+              <a:t>Information Systems</a:t>
+            </a:r>
+            <a:r>
+              <a:rPr lang="de-CH" dirty="0">
+                <a:effectLst/>
+              </a:rPr>
+              <a:t>, vol. 45, pp. 61–68, 2014.</a:t>
+            </a:r>
+          </a:p>
+        </p:txBody>
+      </p:sp>
     </p:spTree>
     <p:extLst>
       <p:ext uri="{BB962C8B-B14F-4D97-AF65-F5344CB8AC3E}">
-        <p14:creationId xmlns:p14="http://schemas.microsoft.com/office/powerpoint/2010/main" val="3813467265"/>
+        <p14:creationId xmlns:p14="http://schemas.microsoft.com/office/powerpoint/2010/main" val="3247798845"/>
       </p:ext>
     </p:extLst>
   </p:cSld>
@@ -16043,340 +16223,12 @@
           <a:chExt cx="0" cy="0"/>
         </a:xfrm>
       </p:grpSpPr>
-      <p:grpSp>
-        <p:nvGrpSpPr>
-          <p:cNvPr id="25" name="Group 24">
-            <a:extLst>
-              <a:ext uri="{FF2B5EF4-FFF2-40B4-BE49-F238E27FC236}">
-                <a16:creationId xmlns:a16="http://schemas.microsoft.com/office/drawing/2014/main" id="{D10F3D66-0109-4903-90B9-66D0E288F721}"/>
-              </a:ext>
-              <a:ext uri="{C183D7F6-B498-43B3-948B-1728B52AA6E4}">
-                <adec:decorative xmlns:adec="http://schemas.microsoft.com/office/drawing/2017/decorative" val="1"/>
-              </a:ext>
-            </a:extLst>
-          </p:cNvPr>
-          <p:cNvGrpSpPr/>
-          <p:nvPr/>
-        </p:nvGrpSpPr>
-        <p:grpSpPr>
-          <a:xfrm>
-            <a:off x="10379261" y="2030035"/>
-            <a:ext cx="1335600" cy="1262947"/>
-            <a:chOff x="10145015" y="2343978"/>
-            <a:chExt cx="1335600" cy="1262947"/>
-          </a:xfrm>
-        </p:grpSpPr>
-        <p:sp>
-          <p:nvSpPr>
-            <p:cNvPr id="26" name="Freeform: Shape 25">
-              <a:extLst>
-                <a:ext uri="{FF2B5EF4-FFF2-40B4-BE49-F238E27FC236}">
-                  <a16:creationId xmlns:a16="http://schemas.microsoft.com/office/drawing/2014/main" id="{57DAB968-9B52-4EFF-AD39-7657DFEA6E48}"/>
-                </a:ext>
-              </a:extLst>
-            </p:cNvPr>
-            <p:cNvSpPr>
-              <a:spLocks noChangeAspect="1"/>
-            </p:cNvSpPr>
-            <p:nvPr/>
-          </p:nvSpPr>
-          <p:spPr>
-            <a:xfrm rot="8100000">
-              <a:off x="10400615" y="2343978"/>
-              <a:ext cx="1080000" cy="1262947"/>
-            </a:xfrm>
-            <a:custGeom>
-              <a:avLst/>
-              <a:gdLst>
-                <a:gd name="connsiteX0" fmla="*/ 540000 w 1080000"/>
-                <a:gd name="connsiteY0" fmla="*/ 0 h 1262947"/>
-                <a:gd name="connsiteX1" fmla="*/ 1080000 w 1080000"/>
-                <a:gd name="connsiteY1" fmla="*/ 931034 h 1262947"/>
-                <a:gd name="connsiteX2" fmla="*/ 1064374 w 1080000"/>
-                <a:gd name="connsiteY2" fmla="*/ 931034 h 1262947"/>
-                <a:gd name="connsiteX3" fmla="*/ 1069029 w 1080000"/>
-                <a:gd name="connsiteY3" fmla="*/ 938533 h 1262947"/>
-                <a:gd name="connsiteX4" fmla="*/ 1080000 w 1080000"/>
-                <a:gd name="connsiteY4" fmla="*/ 992947 h 1262947"/>
-                <a:gd name="connsiteX5" fmla="*/ 540000 w 1080000"/>
-                <a:gd name="connsiteY5" fmla="*/ 1262947 h 1262947"/>
-                <a:gd name="connsiteX6" fmla="*/ 0 w 1080000"/>
-                <a:gd name="connsiteY6" fmla="*/ 992947 h 1262947"/>
-                <a:gd name="connsiteX7" fmla="*/ 10971 w 1080000"/>
-                <a:gd name="connsiteY7" fmla="*/ 938533 h 1262947"/>
-                <a:gd name="connsiteX8" fmla="*/ 15626 w 1080000"/>
-                <a:gd name="connsiteY8" fmla="*/ 931034 h 1262947"/>
-                <a:gd name="connsiteX9" fmla="*/ 0 w 1080000"/>
-                <a:gd name="connsiteY9" fmla="*/ 931034 h 1262947"/>
-                <a:gd name="connsiteX0" fmla="*/ 540000 w 1080000"/>
-                <a:gd name="connsiteY0" fmla="*/ 0 h 1262947"/>
-                <a:gd name="connsiteX1" fmla="*/ 1080000 w 1080000"/>
-                <a:gd name="connsiteY1" fmla="*/ 931034 h 1262947"/>
-                <a:gd name="connsiteX2" fmla="*/ 1064374 w 1080000"/>
-                <a:gd name="connsiteY2" fmla="*/ 931034 h 1262947"/>
-                <a:gd name="connsiteX3" fmla="*/ 1069029 w 1080000"/>
-                <a:gd name="connsiteY3" fmla="*/ 938533 h 1262947"/>
-                <a:gd name="connsiteX4" fmla="*/ 1080000 w 1080000"/>
-                <a:gd name="connsiteY4" fmla="*/ 992947 h 1262947"/>
-                <a:gd name="connsiteX5" fmla="*/ 540000 w 1080000"/>
-                <a:gd name="connsiteY5" fmla="*/ 1262947 h 1262947"/>
-                <a:gd name="connsiteX6" fmla="*/ 0 w 1080000"/>
-                <a:gd name="connsiteY6" fmla="*/ 992947 h 1262947"/>
-                <a:gd name="connsiteX7" fmla="*/ 10971 w 1080000"/>
-                <a:gd name="connsiteY7" fmla="*/ 938533 h 1262947"/>
-                <a:gd name="connsiteX8" fmla="*/ 15626 w 1080000"/>
-                <a:gd name="connsiteY8" fmla="*/ 931034 h 1262947"/>
-                <a:gd name="connsiteX9" fmla="*/ 540000 w 1080000"/>
-                <a:gd name="connsiteY9" fmla="*/ 0 h 1262947"/>
-                <a:gd name="connsiteX0" fmla="*/ 540000 w 1080000"/>
-                <a:gd name="connsiteY0" fmla="*/ 0 h 1262947"/>
-                <a:gd name="connsiteX1" fmla="*/ 1064374 w 1080000"/>
-                <a:gd name="connsiteY1" fmla="*/ 931034 h 1262947"/>
-                <a:gd name="connsiteX2" fmla="*/ 1069029 w 1080000"/>
-                <a:gd name="connsiteY2" fmla="*/ 938533 h 1262947"/>
-                <a:gd name="connsiteX3" fmla="*/ 1080000 w 1080000"/>
-                <a:gd name="connsiteY3" fmla="*/ 992947 h 1262947"/>
-                <a:gd name="connsiteX4" fmla="*/ 540000 w 1080000"/>
-                <a:gd name="connsiteY4" fmla="*/ 1262947 h 1262947"/>
-                <a:gd name="connsiteX5" fmla="*/ 0 w 1080000"/>
-                <a:gd name="connsiteY5" fmla="*/ 992947 h 1262947"/>
-                <a:gd name="connsiteX6" fmla="*/ 10971 w 1080000"/>
-                <a:gd name="connsiteY6" fmla="*/ 938533 h 1262947"/>
-                <a:gd name="connsiteX7" fmla="*/ 15626 w 1080000"/>
-                <a:gd name="connsiteY7" fmla="*/ 931034 h 1262947"/>
-                <a:gd name="connsiteX8" fmla="*/ 540000 w 1080000"/>
-                <a:gd name="connsiteY8" fmla="*/ 0 h 1262947"/>
-              </a:gdLst>
-              <a:ahLst/>
-              <a:cxnLst>
-                <a:cxn ang="0">
-                  <a:pos x="connsiteX0" y="connsiteY0"/>
-                </a:cxn>
-                <a:cxn ang="0">
-                  <a:pos x="connsiteX1" y="connsiteY1"/>
-                </a:cxn>
-                <a:cxn ang="0">
-                  <a:pos x="connsiteX2" y="connsiteY2"/>
-                </a:cxn>
-                <a:cxn ang="0">
-                  <a:pos x="connsiteX3" y="connsiteY3"/>
-                </a:cxn>
-                <a:cxn ang="0">
-                  <a:pos x="connsiteX4" y="connsiteY4"/>
-                </a:cxn>
-                <a:cxn ang="0">
-                  <a:pos x="connsiteX5" y="connsiteY5"/>
-                </a:cxn>
-                <a:cxn ang="0">
-                  <a:pos x="connsiteX6" y="connsiteY6"/>
-                </a:cxn>
-                <a:cxn ang="0">
-                  <a:pos x="connsiteX7" y="connsiteY7"/>
-                </a:cxn>
-                <a:cxn ang="0">
-                  <a:pos x="connsiteX8" y="connsiteY8"/>
-                </a:cxn>
-              </a:cxnLst>
-              <a:rect l="l" t="t" r="r" b="b"/>
-              <a:pathLst>
-                <a:path w="1080000" h="1262947">
-                  <a:moveTo>
-                    <a:pt x="540000" y="0"/>
-                  </a:moveTo>
-                  <a:lnTo>
-                    <a:pt x="1064374" y="931034"/>
-                  </a:lnTo>
-                  <a:lnTo>
-                    <a:pt x="1069029" y="938533"/>
-                  </a:lnTo>
-                  <a:cubicBezTo>
-                    <a:pt x="1076223" y="956109"/>
-                    <a:pt x="1080000" y="974307"/>
-                    <a:pt x="1080000" y="992947"/>
-                  </a:cubicBezTo>
-                  <a:cubicBezTo>
-                    <a:pt x="1080000" y="1142064"/>
-                    <a:pt x="838234" y="1262947"/>
-                    <a:pt x="540000" y="1262947"/>
-                  </a:cubicBezTo>
-                  <a:cubicBezTo>
-                    <a:pt x="241766" y="1262947"/>
-                    <a:pt x="0" y="1142064"/>
-                    <a:pt x="0" y="992947"/>
-                  </a:cubicBezTo>
-                  <a:cubicBezTo>
-                    <a:pt x="0" y="974307"/>
-                    <a:pt x="3778" y="956109"/>
-                    <a:pt x="10971" y="938533"/>
-                  </a:cubicBezTo>
-                  <a:lnTo>
-                    <a:pt x="15626" y="931034"/>
-                  </a:lnTo>
-                  <a:lnTo>
-                    <a:pt x="540000" y="0"/>
-                  </a:lnTo>
-                  <a:close/>
-                </a:path>
-              </a:pathLst>
-            </a:custGeom>
-            <a:gradFill>
-              <a:gsLst>
-                <a:gs pos="60000">
-                  <a:schemeClr val="bg2">
-                    <a:lumMod val="90000"/>
-                    <a:lumOff val="10000"/>
-                  </a:schemeClr>
-                </a:gs>
-                <a:gs pos="30000">
-                  <a:schemeClr val="bg2">
-                    <a:lumMod val="90000"/>
-                    <a:lumOff val="10000"/>
-                  </a:schemeClr>
-                </a:gs>
-                <a:gs pos="40000">
-                  <a:schemeClr val="bg2">
-                    <a:lumMod val="80000"/>
-                    <a:lumOff val="20000"/>
-                  </a:schemeClr>
-                </a:gs>
-                <a:gs pos="100000">
-                  <a:schemeClr val="bg2"/>
-                </a:gs>
-              </a:gsLst>
-              <a:lin ang="600000" scaled="0"/>
-            </a:gradFill>
-            <a:ln>
-              <a:noFill/>
-            </a:ln>
-            <a:effectLst>
-              <a:innerShdw blurRad="254000" dist="101600" dir="7320000">
-                <a:schemeClr val="accent1">
-                  <a:lumMod val="60000"/>
-                  <a:lumOff val="40000"/>
-                  <a:alpha val="40000"/>
-                </a:schemeClr>
-              </a:innerShdw>
-            </a:effectLst>
-          </p:spPr>
-          <p:style>
-            <a:lnRef idx="2">
-              <a:schemeClr val="accent1">
-                <a:shade val="50000"/>
-              </a:schemeClr>
-            </a:lnRef>
-            <a:fillRef idx="1">
-              <a:schemeClr val="accent1"/>
-            </a:fillRef>
-            <a:effectRef idx="0">
-              <a:schemeClr val="accent1"/>
-            </a:effectRef>
-            <a:fontRef idx="minor">
-              <a:schemeClr val="lt1"/>
-            </a:fontRef>
-          </p:style>
-          <p:txBody>
-            <a:bodyPr rot="0" spcFirstLastPara="0" vertOverflow="overflow" horzOverflow="overflow" vert="horz" wrap="square" lIns="91440" tIns="45720" rIns="91440" bIns="45720" numCol="1" spcCol="0" rtlCol="0" fromWordArt="0" anchor="ctr" anchorCtr="0" forceAA="0" compatLnSpc="1">
-              <a:prstTxWarp prst="textNoShape">
-                <a:avLst/>
-              </a:prstTxWarp>
-              <a:noAutofit/>
-            </a:bodyPr>
-            <a:lstStyle/>
-            <a:p>
-              <a:pPr algn="ctr"/>
-              <a:endParaRPr lang="en-US"/>
-            </a:p>
-          </p:txBody>
-        </p:sp>
-        <p:sp>
-          <p:nvSpPr>
-            <p:cNvPr id="27" name="Oval 26">
-              <a:extLst>
-                <a:ext uri="{FF2B5EF4-FFF2-40B4-BE49-F238E27FC236}">
-                  <a16:creationId xmlns:a16="http://schemas.microsoft.com/office/drawing/2014/main" id="{962BE440-9634-4380-B142-5DB692420C52}"/>
-                </a:ext>
-              </a:extLst>
-            </p:cNvPr>
-            <p:cNvSpPr/>
-            <p:nvPr/>
-          </p:nvSpPr>
-          <p:spPr>
-            <a:xfrm rot="13500000">
-              <a:off x="10415015" y="2179851"/>
-              <a:ext cx="540000" cy="1080000"/>
-            </a:xfrm>
-            <a:prstGeom prst="ellipse">
-              <a:avLst/>
-            </a:prstGeom>
-            <a:gradFill>
-              <a:gsLst>
-                <a:gs pos="100000">
-                  <a:schemeClr val="accent1">
-                    <a:lumMod val="60000"/>
-                    <a:lumOff val="40000"/>
-                    <a:alpha val="0"/>
-                  </a:schemeClr>
-                </a:gs>
-                <a:gs pos="0">
-                  <a:schemeClr val="bg2">
-                    <a:lumMod val="75000"/>
-                    <a:lumOff val="25000"/>
-                    <a:alpha val="33000"/>
-                  </a:schemeClr>
-                </a:gs>
-              </a:gsLst>
-              <a:lin ang="5400000" scaled="0"/>
-            </a:gradFill>
-            <a:ln>
-              <a:noFill/>
-            </a:ln>
-            <a:effectLst>
-              <a:innerShdw blurRad="1270000" dist="2540000">
-                <a:schemeClr val="accent1">
-                  <a:lumMod val="60000"/>
-                  <a:lumOff val="40000"/>
-                  <a:alpha val="0"/>
-                </a:schemeClr>
-              </a:innerShdw>
-            </a:effectLst>
-          </p:spPr>
-          <p:style>
-            <a:lnRef idx="2">
-              <a:schemeClr val="accent1">
-                <a:shade val="50000"/>
-              </a:schemeClr>
-            </a:lnRef>
-            <a:fillRef idx="1">
-              <a:schemeClr val="accent1"/>
-            </a:fillRef>
-            <a:effectRef idx="0">
-              <a:schemeClr val="accent1"/>
-            </a:effectRef>
-            <a:fontRef idx="minor">
-              <a:schemeClr val="lt1"/>
-            </a:fontRef>
-          </p:style>
-          <p:txBody>
-            <a:bodyPr rot="0" spcFirstLastPara="0" vertOverflow="overflow" horzOverflow="overflow" vert="horz" wrap="square" lIns="91440" tIns="45720" rIns="91440" bIns="45720" numCol="1" spcCol="0" rtlCol="0" fromWordArt="0" anchor="ctr" anchorCtr="0" forceAA="0" compatLnSpc="1">
-              <a:prstTxWarp prst="textNoShape">
-                <a:avLst/>
-              </a:prstTxWarp>
-              <a:noAutofit/>
-            </a:bodyPr>
-            <a:lstStyle/>
-            <a:p>
-              <a:pPr algn="ctr"/>
-              <a:endParaRPr lang="en-US"/>
-            </a:p>
-          </p:txBody>
-        </p:sp>
-      </p:grpSp>
-      <p:sp>
-        <p:nvSpPr>
-          <p:cNvPr id="7" name="Title 6">
-            <a:extLst>
-              <a:ext uri="{FF2B5EF4-FFF2-40B4-BE49-F238E27FC236}">
-                <a16:creationId xmlns:a16="http://schemas.microsoft.com/office/drawing/2014/main" id="{4B18D636-CC10-4B1E-AA38-419DCCF2D9C9}"/>
+      <p:sp>
+        <p:nvSpPr>
+          <p:cNvPr id="2" name="Title 1">
+            <a:extLst>
+              <a:ext uri="{FF2B5EF4-FFF2-40B4-BE49-F238E27FC236}">
+                <a16:creationId xmlns:a16="http://schemas.microsoft.com/office/drawing/2014/main" id="{032879A5-EB14-F842-4FE5-49F2FFE5206B}"/>
               </a:ext>
             </a:extLst>
           </p:cNvPr>
@@ -16384,67 +16236,58 @@
             <a:spLocks noGrp="1"/>
           </p:cNvSpPr>
           <p:nvPr>
-            <p:ph type="title"/>
+            <p:ph type="ctrTitle"/>
+          </p:nvPr>
+        </p:nvSpPr>
+        <p:spPr/>
+        <p:txBody>
+          <a:bodyPr/>
+          <a:lstStyle/>
+          <a:p>
+            <a:r>
+              <a:rPr lang="en-GB" dirty="0"/>
+              <a:t>Sources</a:t>
+            </a:r>
+            <a:endParaRPr lang="en-CH" dirty="0"/>
+          </a:p>
+        </p:txBody>
+      </p:sp>
+      <p:sp>
+        <p:nvSpPr>
+          <p:cNvPr id="3" name="Subtitle 2">
+            <a:extLst>
+              <a:ext uri="{FF2B5EF4-FFF2-40B4-BE49-F238E27FC236}">
+                <a16:creationId xmlns:a16="http://schemas.microsoft.com/office/drawing/2014/main" id="{9DB9907B-A2C4-48B7-2EAA-C15DB43069A0}"/>
+              </a:ext>
+            </a:extLst>
+          </p:cNvPr>
+          <p:cNvSpPr>
+            <a:spLocks noGrp="1"/>
+          </p:cNvSpPr>
+          <p:nvPr>
+            <p:ph type="subTitle" idx="1"/>
           </p:nvPr>
         </p:nvSpPr>
         <p:spPr>
           <a:xfrm>
-            <a:off x="550862" y="549275"/>
-            <a:ext cx="11097551" cy="1332000"/>
+            <a:off x="550863" y="3827610"/>
+            <a:ext cx="10992092" cy="2265216"/>
           </a:xfrm>
         </p:spPr>
         <p:txBody>
-          <a:bodyPr>
-            <a:normAutofit/>
-          </a:bodyPr>
-          <a:lstStyle/>
-          <a:p>
-            <a:r>
-              <a:rPr lang="en-US" dirty="0"/>
-              <a:t>Content </a:t>
-            </a:r>
-          </a:p>
-        </p:txBody>
-      </p:sp>
-      <p:sp>
-        <p:nvSpPr>
-          <p:cNvPr id="9" name="Text Placeholder 8">
-            <a:extLst>
-              <a:ext uri="{FF2B5EF4-FFF2-40B4-BE49-F238E27FC236}">
-                <a16:creationId xmlns:a16="http://schemas.microsoft.com/office/drawing/2014/main" id="{0D098C43-2F2A-4100-89BC-5931039293FA}"/>
-              </a:ext>
-            </a:extLst>
-          </p:cNvPr>
-          <p:cNvSpPr>
-            <a:spLocks noGrp="1"/>
-          </p:cNvSpPr>
-          <p:nvPr>
-            <p:ph type="body" idx="1"/>
-          </p:nvPr>
-        </p:nvSpPr>
-        <p:spPr>
-          <a:xfrm>
-            <a:off x="550864" y="1731375"/>
-            <a:ext cx="5437186" cy="535354"/>
-          </a:xfrm>
-        </p:spPr>
-        <p:txBody>
           <a:bodyPr/>
           <a:lstStyle/>
           <a:p>
-            <a:r>
-              <a:rPr lang="en-US" dirty="0"/>
-              <a:t>Subtitle</a:t>
-            </a:r>
-          </a:p>
-        </p:txBody>
-      </p:sp>
-      <p:sp>
-        <p:nvSpPr>
-          <p:cNvPr id="10" name="Content Placeholder 9">
-            <a:extLst>
-              <a:ext uri="{FF2B5EF4-FFF2-40B4-BE49-F238E27FC236}">
-                <a16:creationId xmlns:a16="http://schemas.microsoft.com/office/drawing/2014/main" id="{1DB251F7-EBE7-46AC-A920-FFE2C5AF68EA}"/>
+            <a:endParaRPr lang="en-CH" dirty="0"/>
+          </a:p>
+        </p:txBody>
+      </p:sp>
+      <p:sp>
+        <p:nvSpPr>
+          <p:cNvPr id="6" name="Date Placeholder 5">
+            <a:extLst>
+              <a:ext uri="{FF2B5EF4-FFF2-40B4-BE49-F238E27FC236}">
+                <a16:creationId xmlns:a16="http://schemas.microsoft.com/office/drawing/2014/main" id="{9550790B-1FC3-1017-C5C8-A4B32E53F139}"/>
               </a:ext>
             </a:extLst>
           </p:cNvPr>
@@ -16452,44 +16295,27 @@
             <a:spLocks noGrp="1"/>
           </p:cNvSpPr>
           <p:nvPr>
-            <p:ph sz="half" idx="2"/>
-          </p:nvPr>
-        </p:nvSpPr>
-        <p:spPr>
-          <a:xfrm>
-            <a:off x="550863" y="2427370"/>
-            <a:ext cx="5429114" cy="3515555"/>
-          </a:xfrm>
-        </p:spPr>
+            <p:ph type="dt" sz="half" idx="10"/>
+          </p:nvPr>
+        </p:nvSpPr>
+        <p:spPr/>
         <p:txBody>
           <a:bodyPr/>
           <a:lstStyle/>
           <a:p>
             <a:r>
-              <a:rPr lang="en-US" dirty="0"/>
-              <a:t>Add text, images, art, and videos. </a:t>
-            </a:r>
-          </a:p>
-          <a:p>
-            <a:r>
-              <a:rPr lang="en-US" dirty="0"/>
-              <a:t>Add transitions, animations, and motion. </a:t>
-            </a:r>
-          </a:p>
-          <a:p>
-            <a:r>
-              <a:rPr lang="en-US" dirty="0"/>
-              <a:t>Save to OneDrive, to get to your presentations from your computer, tablet, or phone. </a:t>
-            </a:r>
-          </a:p>
-        </p:txBody>
-      </p:sp>
-      <p:sp>
-        <p:nvSpPr>
-          <p:cNvPr id="11" name="Text Placeholder 10">
-            <a:extLst>
-              <a:ext uri="{FF2B5EF4-FFF2-40B4-BE49-F238E27FC236}">
-                <a16:creationId xmlns:a16="http://schemas.microsoft.com/office/drawing/2014/main" id="{60726BA7-44D6-4116-90E3-38325026EAAD}"/>
+              <a:rPr lang="en-US"/>
+              <a:t>Tuesday, February 2, 20XX</a:t>
+            </a:r>
+          </a:p>
+        </p:txBody>
+      </p:sp>
+      <p:sp>
+        <p:nvSpPr>
+          <p:cNvPr id="7" name="Footer Placeholder 6">
+            <a:extLst>
+              <a:ext uri="{FF2B5EF4-FFF2-40B4-BE49-F238E27FC236}">
+                <a16:creationId xmlns:a16="http://schemas.microsoft.com/office/drawing/2014/main" id="{5382216B-F0BE-90DE-7607-3695D7133796}"/>
               </a:ext>
             </a:extLst>
           </p:cNvPr>
@@ -16497,32 +16323,27 @@
             <a:spLocks noGrp="1"/>
           </p:cNvSpPr>
           <p:nvPr>
-            <p:ph type="body" sz="quarter" idx="3"/>
-          </p:nvPr>
-        </p:nvSpPr>
-        <p:spPr>
-          <a:xfrm>
-            <a:off x="6212024" y="1731375"/>
-            <a:ext cx="5436392" cy="535354"/>
-          </a:xfrm>
-        </p:spPr>
+            <p:ph type="ftr" sz="quarter" idx="11"/>
+          </p:nvPr>
+        </p:nvSpPr>
+        <p:spPr/>
         <p:txBody>
           <a:bodyPr/>
           <a:lstStyle/>
           <a:p>
             <a:r>
-              <a:rPr lang="en-US" dirty="0"/>
-              <a:t>Subtitle</a:t>
-            </a:r>
-          </a:p>
-        </p:txBody>
-      </p:sp>
-      <p:sp>
-        <p:nvSpPr>
-          <p:cNvPr id="12" name="Content Placeholder 11">
-            <a:extLst>
-              <a:ext uri="{FF2B5EF4-FFF2-40B4-BE49-F238E27FC236}">
-                <a16:creationId xmlns:a16="http://schemas.microsoft.com/office/drawing/2014/main" id="{7FB7F30B-2A84-4C44-BC5A-E826ED6E74A2}"/>
+              <a:rPr lang="en-US"/>
+              <a:t>Sample Footer Text</a:t>
+            </a:r>
+          </a:p>
+        </p:txBody>
+      </p:sp>
+      <p:sp>
+        <p:nvSpPr>
+          <p:cNvPr id="8" name="Slide Number Placeholder 7">
+            <a:extLst>
+              <a:ext uri="{FF2B5EF4-FFF2-40B4-BE49-F238E27FC236}">
+                <a16:creationId xmlns:a16="http://schemas.microsoft.com/office/drawing/2014/main" id="{C7DEFE00-520F-7C37-8684-7CA34F8F1DE4}"/>
               </a:ext>
             </a:extLst>
           </p:cNvPr>
@@ -16530,302 +16351,26 @@
             <a:spLocks noGrp="1"/>
           </p:cNvSpPr>
           <p:nvPr>
-            <p:ph sz="quarter" idx="4"/>
-          </p:nvPr>
-        </p:nvSpPr>
-        <p:spPr>
-          <a:xfrm>
-            <a:off x="6212023" y="2427370"/>
-            <a:ext cx="5436391" cy="3515555"/>
-          </a:xfrm>
-        </p:spPr>
+            <p:ph type="sldNum" sz="quarter" idx="12"/>
+          </p:nvPr>
+        </p:nvSpPr>
+        <p:spPr/>
         <p:txBody>
           <a:bodyPr/>
           <a:lstStyle/>
           <a:p>
-            <a:r>
-              <a:rPr lang="en-US" dirty="0"/>
-              <a:t>Open the Design Ideas pane for instant slide makeovers. </a:t>
-            </a:r>
-          </a:p>
-          <a:p>
-            <a:r>
-              <a:rPr lang="en-US" dirty="0"/>
-              <a:t>When we have design ideas, we’ll show them to you right there. </a:t>
-            </a:r>
-          </a:p>
-          <a:p>
-            <a:endParaRPr lang="en-US" dirty="0"/>
-          </a:p>
-        </p:txBody>
-      </p:sp>
-      <p:sp>
-        <p:nvSpPr>
-          <p:cNvPr id="4" name="Date Placeholder 3">
-            <a:extLst>
-              <a:ext uri="{FF2B5EF4-FFF2-40B4-BE49-F238E27FC236}">
-                <a16:creationId xmlns:a16="http://schemas.microsoft.com/office/drawing/2014/main" id="{0C329F70-04F7-4C70-BCF8-D4371F54EF2F}"/>
-              </a:ext>
-            </a:extLst>
-          </p:cNvPr>
-          <p:cNvSpPr>
-            <a:spLocks noGrp="1"/>
-          </p:cNvSpPr>
-          <p:nvPr>
-            <p:ph type="dt" sz="half" idx="10"/>
-          </p:nvPr>
-        </p:nvSpPr>
-        <p:spPr>
-          <a:xfrm>
-            <a:off x="550863" y="6507212"/>
-            <a:ext cx="2628900" cy="153888"/>
-          </a:xfrm>
-        </p:spPr>
-        <p:txBody>
-          <a:bodyPr/>
-          <a:lstStyle/>
-          <a:p>
-            <a:r>
-              <a:rPr lang="en-US"/>
-              <a:t>Tuesday, February 2, 20XX</a:t>
-            </a:r>
-            <a:endParaRPr lang="en-US" dirty="0"/>
-          </a:p>
-        </p:txBody>
-      </p:sp>
-      <p:sp>
-        <p:nvSpPr>
-          <p:cNvPr id="5" name="Footer Placeholder 4">
-            <a:extLst>
-              <a:ext uri="{FF2B5EF4-FFF2-40B4-BE49-F238E27FC236}">
-                <a16:creationId xmlns:a16="http://schemas.microsoft.com/office/drawing/2014/main" id="{06A3302E-502D-4151-81C9-5FD6AF9596D6}"/>
-              </a:ext>
-            </a:extLst>
-          </p:cNvPr>
-          <p:cNvSpPr>
-            <a:spLocks noGrp="1"/>
-          </p:cNvSpPr>
-          <p:nvPr>
-            <p:ph type="ftr" sz="quarter" idx="11"/>
-          </p:nvPr>
-        </p:nvSpPr>
-        <p:spPr>
-          <a:xfrm>
-            <a:off x="3359150" y="6507212"/>
-            <a:ext cx="6379210" cy="153888"/>
-          </a:xfrm>
-        </p:spPr>
-        <p:txBody>
-          <a:bodyPr/>
-          <a:lstStyle/>
-          <a:p>
-            <a:r>
-              <a:rPr lang="en-US"/>
-              <a:t>Sample Footer Text</a:t>
-            </a:r>
-          </a:p>
-        </p:txBody>
-      </p:sp>
-      <p:sp>
-        <p:nvSpPr>
-          <p:cNvPr id="6" name="Slide Number Placeholder 5">
-            <a:extLst>
-              <a:ext uri="{FF2B5EF4-FFF2-40B4-BE49-F238E27FC236}">
-                <a16:creationId xmlns:a16="http://schemas.microsoft.com/office/drawing/2014/main" id="{9ED907F8-C614-4D59-A03F-BF9CD5E35703}"/>
-              </a:ext>
-            </a:extLst>
-          </p:cNvPr>
-          <p:cNvSpPr>
-            <a:spLocks noGrp="1"/>
-          </p:cNvSpPr>
-          <p:nvPr>
-            <p:ph type="sldNum" sz="quarter" idx="12"/>
-          </p:nvPr>
-        </p:nvSpPr>
-        <p:spPr>
-          <a:xfrm>
-            <a:off x="9948863" y="6507212"/>
-            <a:ext cx="1692274" cy="153888"/>
-          </a:xfrm>
-        </p:spPr>
-        <p:txBody>
-          <a:bodyPr/>
-          <a:lstStyle/>
-          <a:p>
             <a:fld id="{DBA1B0FB-D917-4C8C-928F-313BD683BF39}" type="slidenum">
               <a:rPr lang="en-US" smtClean="0"/>
-              <a:pPr/>
               <a:t>15</a:t>
             </a:fld>
             <a:endParaRPr lang="en-US"/>
           </a:p>
         </p:txBody>
       </p:sp>
-      <p:sp>
-        <p:nvSpPr>
-          <p:cNvPr id="22" name="Freeform: Shape 21">
-            <a:extLst>
-              <a:ext uri="{FF2B5EF4-FFF2-40B4-BE49-F238E27FC236}">
-                <a16:creationId xmlns:a16="http://schemas.microsoft.com/office/drawing/2014/main" id="{C6F3814E-455F-456B-B1AF-7B993965A2C0}"/>
-              </a:ext>
-              <a:ext uri="{C183D7F6-B498-43B3-948B-1728B52AA6E4}">
-                <adec:decorative xmlns:adec="http://schemas.microsoft.com/office/drawing/2017/decorative" val="1"/>
-              </a:ext>
-            </a:extLst>
-          </p:cNvPr>
-          <p:cNvSpPr>
-            <a:spLocks noChangeAspect="1"/>
-          </p:cNvSpPr>
-          <p:nvPr/>
-        </p:nvSpPr>
-        <p:spPr>
-          <a:xfrm>
-            <a:off x="4295775" y="0"/>
-            <a:ext cx="360000" cy="274638"/>
-          </a:xfrm>
-          <a:custGeom>
-            <a:avLst/>
-            <a:gdLst>
-              <a:gd name="connsiteX0" fmla="*/ 30714 w 360000"/>
-              <a:gd name="connsiteY0" fmla="*/ 0 h 274638"/>
-              <a:gd name="connsiteX1" fmla="*/ 329286 w 360000"/>
-              <a:gd name="connsiteY1" fmla="*/ 0 h 274638"/>
-              <a:gd name="connsiteX2" fmla="*/ 345855 w 360000"/>
-              <a:gd name="connsiteY2" fmla="*/ 24574 h 274638"/>
-              <a:gd name="connsiteX3" fmla="*/ 360000 w 360000"/>
-              <a:gd name="connsiteY3" fmla="*/ 94638 h 274638"/>
-              <a:gd name="connsiteX4" fmla="*/ 180000 w 360000"/>
-              <a:gd name="connsiteY4" fmla="*/ 274638 h 274638"/>
-              <a:gd name="connsiteX5" fmla="*/ 0 w 360000"/>
-              <a:gd name="connsiteY5" fmla="*/ 94638 h 274638"/>
-              <a:gd name="connsiteX6" fmla="*/ 14145 w 360000"/>
-              <a:gd name="connsiteY6" fmla="*/ 24574 h 274638"/>
-            </a:gdLst>
-            <a:ahLst/>
-            <a:cxnLst>
-              <a:cxn ang="0">
-                <a:pos x="connsiteX0" y="connsiteY0"/>
-              </a:cxn>
-              <a:cxn ang="0">
-                <a:pos x="connsiteX1" y="connsiteY1"/>
-              </a:cxn>
-              <a:cxn ang="0">
-                <a:pos x="connsiteX2" y="connsiteY2"/>
-              </a:cxn>
-              <a:cxn ang="0">
-                <a:pos x="connsiteX3" y="connsiteY3"/>
-              </a:cxn>
-              <a:cxn ang="0">
-                <a:pos x="connsiteX4" y="connsiteY4"/>
-              </a:cxn>
-              <a:cxn ang="0">
-                <a:pos x="connsiteX5" y="connsiteY5"/>
-              </a:cxn>
-              <a:cxn ang="0">
-                <a:pos x="connsiteX6" y="connsiteY6"/>
-              </a:cxn>
-            </a:cxnLst>
-            <a:rect l="l" t="t" r="r" b="b"/>
-            <a:pathLst>
-              <a:path w="360000" h="274638">
-                <a:moveTo>
-                  <a:pt x="30714" y="0"/>
-                </a:moveTo>
-                <a:lnTo>
-                  <a:pt x="329286" y="0"/>
-                </a:lnTo>
-                <a:lnTo>
-                  <a:pt x="345855" y="24574"/>
-                </a:lnTo>
-                <a:cubicBezTo>
-                  <a:pt x="354963" y="46109"/>
-                  <a:pt x="360000" y="69785"/>
-                  <a:pt x="360000" y="94638"/>
-                </a:cubicBezTo>
-                <a:cubicBezTo>
-                  <a:pt x="360000" y="194049"/>
-                  <a:pt x="279411" y="274638"/>
-                  <a:pt x="180000" y="274638"/>
-                </a:cubicBezTo>
-                <a:cubicBezTo>
-                  <a:pt x="80589" y="274638"/>
-                  <a:pt x="0" y="194049"/>
-                  <a:pt x="0" y="94638"/>
-                </a:cubicBezTo>
-                <a:cubicBezTo>
-                  <a:pt x="0" y="69785"/>
-                  <a:pt x="5037" y="46109"/>
-                  <a:pt x="14145" y="24574"/>
-                </a:cubicBezTo>
-                <a:close/>
-              </a:path>
-            </a:pathLst>
-          </a:custGeom>
-          <a:gradFill flip="none" rotWithShape="1">
-            <a:gsLst>
-              <a:gs pos="100000">
-                <a:schemeClr val="bg2">
-                  <a:lumMod val="50000"/>
-                  <a:lumOff val="50000"/>
-                </a:schemeClr>
-              </a:gs>
-              <a:gs pos="60000">
-                <a:schemeClr val="bg2"/>
-              </a:gs>
-            </a:gsLst>
-            <a:path path="circle">
-              <a:fillToRect l="100000" b="100000"/>
-            </a:path>
-            <a:tileRect t="-100000" r="-100000"/>
-          </a:gradFill>
-          <a:ln>
-            <a:noFill/>
-          </a:ln>
-          <a:effectLst>
-            <a:innerShdw blurRad="127000" dist="63500" dir="2700000">
-              <a:schemeClr val="accent1">
-                <a:lumMod val="60000"/>
-                <a:lumOff val="40000"/>
-                <a:alpha val="20000"/>
-              </a:schemeClr>
-            </a:innerShdw>
-            <a:softEdge rad="0"/>
-          </a:effectLst>
-        </p:spPr>
-        <p:style>
-          <a:lnRef idx="2">
-            <a:schemeClr val="accent1">
-              <a:shade val="50000"/>
-            </a:schemeClr>
-          </a:lnRef>
-          <a:fillRef idx="1">
-            <a:schemeClr val="accent1"/>
-          </a:fillRef>
-          <a:effectRef idx="0">
-            <a:schemeClr val="accent1"/>
-          </a:effectRef>
-          <a:fontRef idx="minor">
-            <a:schemeClr val="lt1"/>
-          </a:fontRef>
-        </p:style>
-        <p:txBody>
-          <a:bodyPr rot="0" spcFirstLastPara="0" vertOverflow="overflow" horzOverflow="overflow" vert="horz" wrap="square" lIns="91440" tIns="45720" rIns="91440" bIns="45720" numCol="1" spcCol="0" rtlCol="0" fromWordArt="0" anchor="ctr" anchorCtr="0" forceAA="0" compatLnSpc="1">
-            <a:prstTxWarp prst="textNoShape">
-              <a:avLst/>
-            </a:prstTxWarp>
-            <a:noAutofit/>
-          </a:bodyPr>
-          <a:lstStyle/>
-          <a:p>
-            <a:pPr algn="ctr"/>
-            <a:endParaRPr lang="en-US"/>
-          </a:p>
-        </p:txBody>
-      </p:sp>
     </p:spTree>
     <p:extLst>
       <p:ext uri="{BB962C8B-B14F-4D97-AF65-F5344CB8AC3E}">
-        <p14:creationId xmlns:p14="http://schemas.microsoft.com/office/powerpoint/2010/main" val="799007658"/>
+        <p14:creationId xmlns:p14="http://schemas.microsoft.com/office/powerpoint/2010/main" val="2084267636"/>
       </p:ext>
     </p:extLst>
   </p:cSld>
@@ -16952,10 +16497,9 @@
           <a:lstStyle/>
           <a:p>
             <a:r>
-              <a:rPr lang="en-US"/>
-              <a:t>Tuesday, February 2, 20XX</a:t>
-            </a:r>
-            <a:endParaRPr lang="en-US" dirty="0"/>
+              <a:rPr lang="en-US" dirty="0"/>
+              <a:t>01.06.2022</a:t>
+            </a:r>
           </a:p>
         </p:txBody>
       </p:sp>
@@ -17148,12 +16692,6 @@
           <a:p>
             <a:r>
               <a:rPr lang="en-US" dirty="0"/>
-              <a:t>Topic one</a:t>
-            </a:r>
-          </a:p>
-          <a:p>
-            <a:r>
-              <a:rPr lang="en-US" dirty="0"/>
               <a:t>Purpose of data structure</a:t>
             </a:r>
           </a:p>
@@ -17172,7 +16710,19 @@
           <a:p>
             <a:r>
               <a:rPr lang="en-US" dirty="0"/>
-              <a:t>Future Works</a:t>
+              <a:t>Evaluation</a:t>
+            </a:r>
+          </a:p>
+          <a:p>
+            <a:r>
+              <a:rPr lang="en-US" dirty="0"/>
+              <a:t>Performance</a:t>
+            </a:r>
+          </a:p>
+          <a:p>
+            <a:r>
+              <a:rPr lang="en-US" dirty="0"/>
+              <a:t>Next Steps</a:t>
             </a:r>
           </a:p>
           <a:p>
@@ -17284,10 +16834,45 @@
       </p:pic>
       <p:sp>
         <p:nvSpPr>
-          <p:cNvPr id="13" name="Date Placeholder 12">
-            <a:extLst>
-              <a:ext uri="{FF2B5EF4-FFF2-40B4-BE49-F238E27FC236}">
-                <a16:creationId xmlns:a16="http://schemas.microsoft.com/office/drawing/2014/main" id="{915FE2C5-E66A-4405-B19E-2C5C546C98E4}"/>
+          <p:cNvPr id="15" name="Slide Number Placeholder 14">
+            <a:extLst>
+              <a:ext uri="{FF2B5EF4-FFF2-40B4-BE49-F238E27FC236}">
+                <a16:creationId xmlns:a16="http://schemas.microsoft.com/office/drawing/2014/main" id="{3B199C97-F175-437D-8311-DB662925C063}"/>
+              </a:ext>
+            </a:extLst>
+          </p:cNvPr>
+          <p:cNvSpPr>
+            <a:spLocks noGrp="1"/>
+          </p:cNvSpPr>
+          <p:nvPr>
+            <p:ph type="sldNum" sz="quarter" idx="12"/>
+          </p:nvPr>
+        </p:nvSpPr>
+        <p:spPr>
+          <a:xfrm>
+            <a:off x="9948863" y="6507212"/>
+            <a:ext cx="1692274" cy="153888"/>
+          </a:xfrm>
+        </p:spPr>
+        <p:txBody>
+          <a:bodyPr/>
+          <a:lstStyle/>
+          <a:p>
+            <a:fld id="{DBA1B0FB-D917-4C8C-928F-313BD683BF39}" type="slidenum">
+              <a:rPr lang="en-US" smtClean="0"/>
+              <a:pPr/>
+              <a:t>3</a:t>
+            </a:fld>
+            <a:endParaRPr lang="en-US"/>
+          </a:p>
+        </p:txBody>
+      </p:sp>
+      <p:sp>
+        <p:nvSpPr>
+          <p:cNvPr id="17" name="Date Placeholder 18">
+            <a:extLst>
+              <a:ext uri="{FF2B5EF4-FFF2-40B4-BE49-F238E27FC236}">
+                <a16:creationId xmlns:a16="http://schemas.microsoft.com/office/drawing/2014/main" id="{EE193113-B933-7B79-4296-215125B32B6C}"/>
               </a:ext>
             </a:extLst>
           </p:cNvPr>
@@ -17310,17 +16895,17 @@
           <a:p>
             <a:r>
               <a:rPr lang="en-US" dirty="0"/>
-              <a:t>Tuesday, February 2, 20XX</a:t>
-            </a:r>
-          </a:p>
-        </p:txBody>
-      </p:sp>
-      <p:sp>
-        <p:nvSpPr>
-          <p:cNvPr id="14" name="Footer Placeholder 13">
-            <a:extLst>
-              <a:ext uri="{FF2B5EF4-FFF2-40B4-BE49-F238E27FC236}">
-                <a16:creationId xmlns:a16="http://schemas.microsoft.com/office/drawing/2014/main" id="{B01DF4D0-78BC-4C8C-9570-26F0B225433A}"/>
+              <a:t>01.06.2022</a:t>
+            </a:r>
+          </a:p>
+        </p:txBody>
+      </p:sp>
+      <p:sp>
+        <p:nvSpPr>
+          <p:cNvPr id="18" name="Footer Placeholder 19">
+            <a:extLst>
+              <a:ext uri="{FF2B5EF4-FFF2-40B4-BE49-F238E27FC236}">
+                <a16:creationId xmlns:a16="http://schemas.microsoft.com/office/drawing/2014/main" id="{35599231-82B8-B462-E27A-60E8EBCC98E7}"/>
               </a:ext>
             </a:extLst>
           </p:cNvPr>
@@ -17343,43 +16928,8 @@
           <a:p>
             <a:r>
               <a:rPr lang="en-US" dirty="0"/>
-              <a:t>Sample Footer Text</a:t>
-            </a:r>
-          </a:p>
-        </p:txBody>
-      </p:sp>
-      <p:sp>
-        <p:nvSpPr>
-          <p:cNvPr id="15" name="Slide Number Placeholder 14">
-            <a:extLst>
-              <a:ext uri="{FF2B5EF4-FFF2-40B4-BE49-F238E27FC236}">
-                <a16:creationId xmlns:a16="http://schemas.microsoft.com/office/drawing/2014/main" id="{3B199C97-F175-437D-8311-DB662925C063}"/>
-              </a:ext>
-            </a:extLst>
-          </p:cNvPr>
-          <p:cNvSpPr>
-            <a:spLocks noGrp="1"/>
-          </p:cNvSpPr>
-          <p:nvPr>
-            <p:ph type="sldNum" sz="quarter" idx="12"/>
-          </p:nvPr>
-        </p:nvSpPr>
-        <p:spPr>
-          <a:xfrm>
-            <a:off x="9948863" y="6507212"/>
-            <a:ext cx="1692274" cy="153888"/>
-          </a:xfrm>
-        </p:spPr>
-        <p:txBody>
-          <a:bodyPr/>
-          <a:lstStyle/>
-          <a:p>
-            <a:fld id="{DBA1B0FB-D917-4C8C-928F-313BD683BF39}" type="slidenum">
-              <a:rPr lang="en-US" smtClean="0"/>
-              <a:pPr/>
-              <a:t>3</a:t>
-            </a:fld>
-            <a:endParaRPr lang="en-US"/>
+              <a:t>APPROXIMATE NEAREST NEIGHBOR SEARCH</a:t>
+            </a:r>
           </a:p>
         </p:txBody>
       </p:sp>
@@ -17489,73 +17039,6 @@
       </p:pic>
       <p:sp>
         <p:nvSpPr>
-          <p:cNvPr id="4" name="Date Placeholder 3">
-            <a:extLst>
-              <a:ext uri="{FF2B5EF4-FFF2-40B4-BE49-F238E27FC236}">
-                <a16:creationId xmlns:a16="http://schemas.microsoft.com/office/drawing/2014/main" id="{0C329F70-04F7-4C70-BCF8-D4371F54EF2F}"/>
-              </a:ext>
-            </a:extLst>
-          </p:cNvPr>
-          <p:cNvSpPr>
-            <a:spLocks noGrp="1"/>
-          </p:cNvSpPr>
-          <p:nvPr>
-            <p:ph type="dt" sz="half" idx="10"/>
-          </p:nvPr>
-        </p:nvSpPr>
-        <p:spPr>
-          <a:xfrm>
-            <a:off x="550863" y="6507212"/>
-            <a:ext cx="2628900" cy="153888"/>
-          </a:xfrm>
-        </p:spPr>
-        <p:txBody>
-          <a:bodyPr/>
-          <a:lstStyle/>
-          <a:p>
-            <a:r>
-              <a:rPr lang="en-US"/>
-              <a:t>Tuesday, February 2, 20XX</a:t>
-            </a:r>
-            <a:endParaRPr lang="en-US" dirty="0"/>
-          </a:p>
-        </p:txBody>
-      </p:sp>
-      <p:sp>
-        <p:nvSpPr>
-          <p:cNvPr id="5" name="Footer Placeholder 4">
-            <a:extLst>
-              <a:ext uri="{FF2B5EF4-FFF2-40B4-BE49-F238E27FC236}">
-                <a16:creationId xmlns:a16="http://schemas.microsoft.com/office/drawing/2014/main" id="{06A3302E-502D-4151-81C9-5FD6AF9596D6}"/>
-              </a:ext>
-            </a:extLst>
-          </p:cNvPr>
-          <p:cNvSpPr>
-            <a:spLocks noGrp="1"/>
-          </p:cNvSpPr>
-          <p:nvPr>
-            <p:ph type="ftr" sz="quarter" idx="11"/>
-          </p:nvPr>
-        </p:nvSpPr>
-        <p:spPr>
-          <a:xfrm>
-            <a:off x="3359150" y="6507212"/>
-            <a:ext cx="6379210" cy="153888"/>
-          </a:xfrm>
-        </p:spPr>
-        <p:txBody>
-          <a:bodyPr/>
-          <a:lstStyle/>
-          <a:p>
-            <a:r>
-              <a:rPr lang="en-US"/>
-              <a:t>Sample Footer Text</a:t>
-            </a:r>
-          </a:p>
-        </p:txBody>
-      </p:sp>
-      <p:sp>
-        <p:nvSpPr>
           <p:cNvPr id="6" name="Slide Number Placeholder 5">
             <a:extLst>
               <a:ext uri="{FF2B5EF4-FFF2-40B4-BE49-F238E27FC236}">
@@ -17607,7 +17090,7 @@
         </p:nvSpPr>
         <p:spPr>
           <a:xfrm>
-            <a:off x="5051425" y="569232"/>
+            <a:off x="5051425" y="452186"/>
             <a:ext cx="6221412" cy="2591732"/>
           </a:xfrm>
           <a:noFill/>
@@ -17620,7 +17103,7 @@
           <a:p>
             <a:r>
               <a:rPr lang="en-US" dirty="0"/>
-              <a:t>One popular application is in recommender systems, the goal is to find similar rows/columns in matrix. Similar measured by some distance </a:t>
+              <a:t>One popular application is in recommender systems, the goal is to find similar rows/columns in a matrix. Similarity is measured by some distance </a:t>
             </a:r>
             <a:r>
               <a:rPr lang="en-US" dirty="0" err="1"/>
@@ -17991,11 +17474,77 @@
           <a:p>
             <a:r>
               <a:rPr lang="en-US" dirty="0"/>
-              <a:t>By calculating Euclidean distances between all users, we can discover similar users and recommend songs to them that they will like. </a:t>
+              <a:t>By calculating the Euclidean distances between all users, we can discover similar users and recommend songs to them that they will like. </a:t>
             </a:r>
           </a:p>
           <a:p>
             <a:endParaRPr lang="en-US" dirty="0"/>
+          </a:p>
+        </p:txBody>
+      </p:sp>
+      <p:sp>
+        <p:nvSpPr>
+          <p:cNvPr id="10" name="Date Placeholder 18">
+            <a:extLst>
+              <a:ext uri="{FF2B5EF4-FFF2-40B4-BE49-F238E27FC236}">
+                <a16:creationId xmlns:a16="http://schemas.microsoft.com/office/drawing/2014/main" id="{5B044768-4ECD-56CC-0880-F1E67D6EE544}"/>
+              </a:ext>
+            </a:extLst>
+          </p:cNvPr>
+          <p:cNvSpPr>
+            <a:spLocks noGrp="1"/>
+          </p:cNvSpPr>
+          <p:nvPr>
+            <p:ph type="dt" sz="half" idx="10"/>
+          </p:nvPr>
+        </p:nvSpPr>
+        <p:spPr>
+          <a:xfrm>
+            <a:off x="550863" y="6507212"/>
+            <a:ext cx="2628900" cy="153888"/>
+          </a:xfrm>
+        </p:spPr>
+        <p:txBody>
+          <a:bodyPr/>
+          <a:lstStyle/>
+          <a:p>
+            <a:r>
+              <a:rPr lang="en-US" dirty="0"/>
+              <a:t>01.06.2022</a:t>
+            </a:r>
+          </a:p>
+        </p:txBody>
+      </p:sp>
+      <p:sp>
+        <p:nvSpPr>
+          <p:cNvPr id="14" name="Footer Placeholder 19">
+            <a:extLst>
+              <a:ext uri="{FF2B5EF4-FFF2-40B4-BE49-F238E27FC236}">
+                <a16:creationId xmlns:a16="http://schemas.microsoft.com/office/drawing/2014/main" id="{F1A8DB16-EF03-C763-B296-8FD20CCBA898}"/>
+              </a:ext>
+            </a:extLst>
+          </p:cNvPr>
+          <p:cNvSpPr>
+            <a:spLocks noGrp="1"/>
+          </p:cNvSpPr>
+          <p:nvPr>
+            <p:ph type="ftr" sz="quarter" idx="11"/>
+          </p:nvPr>
+        </p:nvSpPr>
+        <p:spPr>
+          <a:xfrm>
+            <a:off x="3359150" y="6507212"/>
+            <a:ext cx="6379210" cy="153888"/>
+          </a:xfrm>
+        </p:spPr>
+        <p:txBody>
+          <a:bodyPr/>
+          <a:lstStyle/>
+          <a:p>
+            <a:r>
+              <a:rPr lang="en-US" dirty="0"/>
+              <a:t>APPROXIMATE NEAREST NEIGHBOR SEARCH</a:t>
+            </a:r>
           </a:p>
         </p:txBody>
       </p:sp>
@@ -18105,10 +17654,276 @@
       </p:pic>
       <p:sp>
         <p:nvSpPr>
-          <p:cNvPr id="4" name="Date Placeholder 3">
-            <a:extLst>
-              <a:ext uri="{FF2B5EF4-FFF2-40B4-BE49-F238E27FC236}">
-                <a16:creationId xmlns:a16="http://schemas.microsoft.com/office/drawing/2014/main" id="{0C329F70-04F7-4C70-BCF8-D4371F54EF2F}"/>
+          <p:cNvPr id="6" name="Slide Number Placeholder 5">
+            <a:extLst>
+              <a:ext uri="{FF2B5EF4-FFF2-40B4-BE49-F238E27FC236}">
+                <a16:creationId xmlns:a16="http://schemas.microsoft.com/office/drawing/2014/main" id="{9ED907F8-C614-4D59-A03F-BF9CD5E35703}"/>
+              </a:ext>
+            </a:extLst>
+          </p:cNvPr>
+          <p:cNvSpPr>
+            <a:spLocks noGrp="1"/>
+          </p:cNvSpPr>
+          <p:nvPr>
+            <p:ph type="sldNum" sz="quarter" idx="12"/>
+          </p:nvPr>
+        </p:nvSpPr>
+        <p:spPr>
+          <a:xfrm>
+            <a:off x="9948863" y="6507212"/>
+            <a:ext cx="1692274" cy="153888"/>
+          </a:xfrm>
+        </p:spPr>
+        <p:txBody>
+          <a:bodyPr/>
+          <a:lstStyle/>
+          <a:p>
+            <a:fld id="{DBA1B0FB-D917-4C8C-928F-313BD683BF39}" type="slidenum">
+              <a:rPr lang="en-US" smtClean="0"/>
+              <a:pPr/>
+              <a:t>5</a:t>
+            </a:fld>
+            <a:endParaRPr lang="en-US"/>
+          </a:p>
+        </p:txBody>
+      </p:sp>
+      <p:sp>
+        <p:nvSpPr>
+          <p:cNvPr id="17" name="Content Placeholder 11">
+            <a:extLst>
+              <a:ext uri="{FF2B5EF4-FFF2-40B4-BE49-F238E27FC236}">
+                <a16:creationId xmlns:a16="http://schemas.microsoft.com/office/drawing/2014/main" id="{8D4802D8-0765-B2C5-E4C6-A4DEE665DA3D}"/>
+              </a:ext>
+            </a:extLst>
+          </p:cNvPr>
+          <p:cNvSpPr>
+            <a:spLocks noGrp="1"/>
+          </p:cNvSpPr>
+          <p:nvPr>
+            <p:ph sz="quarter" idx="15"/>
+          </p:nvPr>
+        </p:nvSpPr>
+        <p:spPr>
+          <a:xfrm>
+            <a:off x="4399878" y="358906"/>
+            <a:ext cx="6872959" cy="4257481"/>
+          </a:xfrm>
+          <a:noFill/>
+        </p:spPr>
+        <p:txBody>
+          <a:bodyPr>
+            <a:normAutofit lnSpcReduction="10000"/>
+          </a:bodyPr>
+          <a:lstStyle/>
+          <a:p>
+            <a:pPr marL="0" indent="0">
+              <a:buNone/>
+            </a:pPr>
+            <a:r>
+              <a:rPr lang="en-US" b="1" dirty="0"/>
+              <a:t>More formally:</a:t>
+            </a:r>
+          </a:p>
+          <a:p>
+            <a:r>
+              <a:rPr lang="en-US" dirty="0"/>
+              <a:t>Nearest neighbor search (NNS)</a:t>
+            </a:r>
+          </a:p>
+          <a:p>
+            <a:r>
+              <a:rPr lang="en-US" dirty="0"/>
+              <a:t>Given a set of </a:t>
+            </a:r>
+            <a:r>
+              <a:rPr lang="en-US" i="1" dirty="0"/>
+              <a:t>S</a:t>
+            </a:r>
+            <a:r>
+              <a:rPr lang="en-US" dirty="0"/>
+              <a:t> of points in a space </a:t>
+            </a:r>
+            <a:r>
+              <a:rPr lang="en-US" i="1" dirty="0"/>
+              <a:t>M</a:t>
+            </a:r>
+            <a:r>
+              <a:rPr lang="en-US" dirty="0"/>
+              <a:t> and a query point </a:t>
+            </a:r>
+            <a:r>
+              <a:rPr lang="en-US" i="1" dirty="0"/>
+              <a:t>q</a:t>
+            </a:r>
+            <a:r>
+              <a:rPr lang="en-US" dirty="0"/>
+              <a:t> </a:t>
+            </a:r>
+            <a:r>
+              <a:rPr lang="de-CH" dirty="0"/>
+              <a:t>∈ </a:t>
+            </a:r>
+            <a:r>
+              <a:rPr lang="de-CH" i="1" dirty="0"/>
+              <a:t>M , </a:t>
+            </a:r>
+            <a:r>
+              <a:rPr lang="de-CH" dirty="0"/>
+              <a:t>find </a:t>
+            </a:r>
+            <a:r>
+              <a:rPr lang="de-CH" dirty="0" err="1"/>
+              <a:t>the</a:t>
+            </a:r>
+            <a:r>
+              <a:rPr lang="de-CH" dirty="0"/>
+              <a:t> </a:t>
+            </a:r>
+            <a:r>
+              <a:rPr lang="de-CH" dirty="0" err="1"/>
+              <a:t>closest</a:t>
+            </a:r>
+            <a:r>
+              <a:rPr lang="de-CH" dirty="0"/>
+              <a:t> </a:t>
+            </a:r>
+            <a:r>
+              <a:rPr lang="de-CH" dirty="0" err="1"/>
+              <a:t>point</a:t>
+            </a:r>
+            <a:r>
+              <a:rPr lang="de-CH" dirty="0"/>
+              <a:t> in S </a:t>
+            </a:r>
+            <a:r>
+              <a:rPr lang="de-CH" dirty="0" err="1"/>
+              <a:t>to</a:t>
+            </a:r>
+            <a:r>
+              <a:rPr lang="de-CH" dirty="0"/>
+              <a:t> </a:t>
+            </a:r>
+            <a:r>
+              <a:rPr lang="de-CH" i="1" dirty="0"/>
+              <a:t>q </a:t>
+            </a:r>
+            <a:r>
+              <a:rPr lang="de-CH" sz="1400" i="1" dirty="0"/>
+              <a:t>[1]</a:t>
+            </a:r>
+          </a:p>
+          <a:p>
+            <a:r>
+              <a:rPr lang="de-CH" dirty="0"/>
+              <a:t>M </a:t>
+            </a:r>
+            <a:r>
+              <a:rPr lang="de-CH" dirty="0" err="1"/>
+              <a:t>is</a:t>
+            </a:r>
+            <a:r>
+              <a:rPr lang="de-CH" dirty="0"/>
+              <a:t> </a:t>
+            </a:r>
+            <a:r>
+              <a:rPr lang="de-CH" dirty="0" err="1"/>
+              <a:t>mostly</a:t>
+            </a:r>
+            <a:r>
+              <a:rPr lang="de-CH" dirty="0"/>
+              <a:t> a </a:t>
+            </a:r>
+            <a:r>
+              <a:rPr lang="de-CH" dirty="0" err="1"/>
+              <a:t>metric</a:t>
+            </a:r>
+            <a:r>
+              <a:rPr lang="de-CH" dirty="0"/>
+              <a:t> </a:t>
+            </a:r>
+            <a:r>
+              <a:rPr lang="de-CH" dirty="0" err="1"/>
+              <a:t>space</a:t>
+            </a:r>
+            <a:r>
+              <a:rPr lang="de-CH" dirty="0"/>
+              <a:t> and </a:t>
+            </a:r>
+            <a:r>
+              <a:rPr lang="de-CH" dirty="0" err="1"/>
+              <a:t>similarity</a:t>
+            </a:r>
+            <a:r>
+              <a:rPr lang="de-CH" dirty="0"/>
+              <a:t> </a:t>
+            </a:r>
+            <a:r>
+              <a:rPr lang="de-CH" dirty="0" err="1"/>
+              <a:t>is</a:t>
+            </a:r>
+            <a:r>
+              <a:rPr lang="de-CH" dirty="0"/>
+              <a:t> </a:t>
+            </a:r>
+            <a:r>
+              <a:rPr lang="de-CH" dirty="0" err="1"/>
+              <a:t>defined</a:t>
+            </a:r>
+            <a:r>
+              <a:rPr lang="de-CH" dirty="0"/>
+              <a:t> </a:t>
+            </a:r>
+            <a:r>
+              <a:rPr lang="de-CH" dirty="0" err="1"/>
+              <a:t>through</a:t>
+            </a:r>
+            <a:r>
+              <a:rPr lang="de-CH" dirty="0"/>
+              <a:t> a </a:t>
+            </a:r>
+            <a:r>
+              <a:rPr lang="de-CH" dirty="0" err="1"/>
+              <a:t>distance</a:t>
+            </a:r>
+            <a:r>
+              <a:rPr lang="de-CH" dirty="0"/>
+              <a:t> </a:t>
+            </a:r>
+            <a:r>
+              <a:rPr lang="de-CH" dirty="0" err="1"/>
+              <a:t>metric</a:t>
+            </a:r>
+            <a:endParaRPr lang="de-CH" dirty="0"/>
+          </a:p>
+          <a:p>
+            <a:pPr marL="0" indent="0">
+              <a:buNone/>
+            </a:pPr>
+            <a:r>
+              <a:rPr lang="en-US" dirty="0"/>
+              <a:t>Variant in the paper [2]:</a:t>
+            </a:r>
+          </a:p>
+          <a:p>
+            <a:r>
+              <a:rPr lang="en-US" dirty="0"/>
+              <a:t>k-Nearest neighbor search (k-NN)</a:t>
+            </a:r>
+          </a:p>
+          <a:p>
+            <a:r>
+              <a:rPr lang="en-US" dirty="0"/>
+              <a:t>approximate (probabilistic) trade-off for better time complexity</a:t>
+            </a:r>
+          </a:p>
+        </p:txBody>
+      </p:sp>
+      <p:sp>
+        <p:nvSpPr>
+          <p:cNvPr id="8" name="Date Placeholder 18">
+            <a:extLst>
+              <a:ext uri="{FF2B5EF4-FFF2-40B4-BE49-F238E27FC236}">
+                <a16:creationId xmlns:a16="http://schemas.microsoft.com/office/drawing/2014/main" id="{0D440CF8-D5ED-2457-B9E4-F182D7484852}"/>
               </a:ext>
             </a:extLst>
           </p:cNvPr>
@@ -18130,19 +17945,18 @@
           <a:lstStyle/>
           <a:p>
             <a:r>
-              <a:rPr lang="en-US"/>
-              <a:t>Tuesday, February 2, 20XX</a:t>
-            </a:r>
-            <a:endParaRPr lang="en-US" dirty="0"/>
-          </a:p>
-        </p:txBody>
-      </p:sp>
-      <p:sp>
-        <p:nvSpPr>
-          <p:cNvPr id="5" name="Footer Placeholder 4">
-            <a:extLst>
-              <a:ext uri="{FF2B5EF4-FFF2-40B4-BE49-F238E27FC236}">
-                <a16:creationId xmlns:a16="http://schemas.microsoft.com/office/drawing/2014/main" id="{06A3302E-502D-4151-81C9-5FD6AF9596D6}"/>
+              <a:rPr lang="en-US" dirty="0"/>
+              <a:t>01.06.2022</a:t>
+            </a:r>
+          </a:p>
+        </p:txBody>
+      </p:sp>
+      <p:sp>
+        <p:nvSpPr>
+          <p:cNvPr id="9" name="Footer Placeholder 19">
+            <a:extLst>
+              <a:ext uri="{FF2B5EF4-FFF2-40B4-BE49-F238E27FC236}">
+                <a16:creationId xmlns:a16="http://schemas.microsoft.com/office/drawing/2014/main" id="{0CCBA6A3-86DD-812D-76B2-418DF9AB3480}"/>
               </a:ext>
             </a:extLst>
           </p:cNvPr>
@@ -18164,270 +17978,8 @@
           <a:lstStyle/>
           <a:p>
             <a:r>
-              <a:rPr lang="en-US"/>
-              <a:t>Sample Footer Text</a:t>
-            </a:r>
-          </a:p>
-        </p:txBody>
-      </p:sp>
-      <p:sp>
-        <p:nvSpPr>
-          <p:cNvPr id="6" name="Slide Number Placeholder 5">
-            <a:extLst>
-              <a:ext uri="{FF2B5EF4-FFF2-40B4-BE49-F238E27FC236}">
-                <a16:creationId xmlns:a16="http://schemas.microsoft.com/office/drawing/2014/main" id="{9ED907F8-C614-4D59-A03F-BF9CD5E35703}"/>
-              </a:ext>
-            </a:extLst>
-          </p:cNvPr>
-          <p:cNvSpPr>
-            <a:spLocks noGrp="1"/>
-          </p:cNvSpPr>
-          <p:nvPr>
-            <p:ph type="sldNum" sz="quarter" idx="12"/>
-          </p:nvPr>
-        </p:nvSpPr>
-        <p:spPr>
-          <a:xfrm>
-            <a:off x="9948863" y="6507212"/>
-            <a:ext cx="1692274" cy="153888"/>
-          </a:xfrm>
-        </p:spPr>
-        <p:txBody>
-          <a:bodyPr/>
-          <a:lstStyle/>
-          <a:p>
-            <a:fld id="{DBA1B0FB-D917-4C8C-928F-313BD683BF39}" type="slidenum">
-              <a:rPr lang="en-US" smtClean="0"/>
-              <a:pPr/>
-              <a:t>5</a:t>
-            </a:fld>
-            <a:endParaRPr lang="en-US"/>
-          </a:p>
-        </p:txBody>
-      </p:sp>
-      <p:sp>
-        <p:nvSpPr>
-          <p:cNvPr id="17" name="Content Placeholder 11">
-            <a:extLst>
-              <a:ext uri="{FF2B5EF4-FFF2-40B4-BE49-F238E27FC236}">
-                <a16:creationId xmlns:a16="http://schemas.microsoft.com/office/drawing/2014/main" id="{8D4802D8-0765-B2C5-E4C6-A4DEE665DA3D}"/>
-              </a:ext>
-            </a:extLst>
-          </p:cNvPr>
-          <p:cNvSpPr>
-            <a:spLocks noGrp="1"/>
-          </p:cNvSpPr>
-          <p:nvPr>
-            <p:ph sz="quarter" idx="15"/>
-          </p:nvPr>
-        </p:nvSpPr>
-        <p:spPr>
-          <a:xfrm>
-            <a:off x="5051425" y="358906"/>
-            <a:ext cx="6221412" cy="4257481"/>
-          </a:xfrm>
-          <a:noFill/>
-        </p:spPr>
-        <p:txBody>
-          <a:bodyPr>
-            <a:normAutofit fontScale="92500" lnSpcReduction="20000"/>
-          </a:bodyPr>
-          <a:lstStyle/>
-          <a:p>
-            <a:pPr marL="0" indent="0">
-              <a:buNone/>
-            </a:pPr>
-            <a:r>
-              <a:rPr lang="en-US" b="1" dirty="0"/>
-              <a:t>More formally:</a:t>
-            </a:r>
-          </a:p>
-          <a:p>
-            <a:r>
               <a:rPr lang="en-US" dirty="0"/>
-              <a:t>Nearest neighbor search (NNS)</a:t>
-            </a:r>
-          </a:p>
-          <a:p>
-            <a:r>
-              <a:rPr lang="en-US" dirty="0"/>
-              <a:t>Given a set of </a:t>
-            </a:r>
-            <a:r>
-              <a:rPr lang="en-US" i="1" dirty="0"/>
-              <a:t>S</a:t>
-            </a:r>
-            <a:r>
-              <a:rPr lang="en-US" dirty="0"/>
-              <a:t> of points in a space </a:t>
-            </a:r>
-            <a:r>
-              <a:rPr lang="en-US" i="1" dirty="0"/>
-              <a:t>M</a:t>
-            </a:r>
-            <a:r>
-              <a:rPr lang="en-US" dirty="0"/>
-              <a:t> and a query point </a:t>
-            </a:r>
-            <a:r>
-              <a:rPr lang="en-US" i="1" dirty="0"/>
-              <a:t>q</a:t>
-            </a:r>
-            <a:r>
-              <a:rPr lang="en-US" dirty="0"/>
-              <a:t> </a:t>
-            </a:r>
-            <a:r>
-              <a:rPr lang="de-CH" dirty="0"/>
-              <a:t>∈ </a:t>
-            </a:r>
-            <a:r>
-              <a:rPr lang="de-CH" i="1" dirty="0"/>
-              <a:t>M , </a:t>
-            </a:r>
-            <a:r>
-              <a:rPr lang="de-CH" dirty="0"/>
-              <a:t>find </a:t>
-            </a:r>
-            <a:r>
-              <a:rPr lang="de-CH" dirty="0" err="1"/>
-              <a:t>the</a:t>
-            </a:r>
-            <a:r>
-              <a:rPr lang="de-CH" dirty="0"/>
-              <a:t> </a:t>
-            </a:r>
-            <a:r>
-              <a:rPr lang="de-CH" dirty="0" err="1"/>
-              <a:t>closest</a:t>
-            </a:r>
-            <a:r>
-              <a:rPr lang="de-CH" dirty="0"/>
-              <a:t> </a:t>
-            </a:r>
-            <a:r>
-              <a:rPr lang="de-CH" dirty="0" err="1"/>
-              <a:t>point</a:t>
-            </a:r>
-            <a:r>
-              <a:rPr lang="de-CH" dirty="0"/>
-              <a:t> in S </a:t>
-            </a:r>
-            <a:r>
-              <a:rPr lang="de-CH" dirty="0" err="1"/>
-              <a:t>to</a:t>
-            </a:r>
-            <a:r>
-              <a:rPr lang="de-CH" dirty="0"/>
-              <a:t> </a:t>
-            </a:r>
-            <a:r>
-              <a:rPr lang="de-CH" i="1" dirty="0"/>
-              <a:t>q </a:t>
-            </a:r>
-          </a:p>
-          <a:p>
-            <a:r>
-              <a:rPr lang="de-CH" dirty="0"/>
-              <a:t>M </a:t>
-            </a:r>
-            <a:r>
-              <a:rPr lang="de-CH" dirty="0" err="1"/>
-              <a:t>is</a:t>
-            </a:r>
-            <a:r>
-              <a:rPr lang="de-CH" dirty="0"/>
-              <a:t> </a:t>
-            </a:r>
-            <a:r>
-              <a:rPr lang="de-CH" dirty="0" err="1"/>
-              <a:t>mostly</a:t>
-            </a:r>
-            <a:r>
-              <a:rPr lang="de-CH" dirty="0"/>
-              <a:t> a </a:t>
-            </a:r>
-            <a:r>
-              <a:rPr lang="de-CH" dirty="0" err="1"/>
-              <a:t>metric</a:t>
-            </a:r>
-            <a:r>
-              <a:rPr lang="de-CH" dirty="0"/>
-              <a:t> </a:t>
-            </a:r>
-            <a:r>
-              <a:rPr lang="de-CH" dirty="0" err="1"/>
-              <a:t>space</a:t>
-            </a:r>
-            <a:r>
-              <a:rPr lang="de-CH" dirty="0"/>
-              <a:t> and </a:t>
-            </a:r>
-            <a:r>
-              <a:rPr lang="de-CH" dirty="0" err="1"/>
-              <a:t>similarity</a:t>
-            </a:r>
-            <a:r>
-              <a:rPr lang="de-CH" dirty="0"/>
-              <a:t> </a:t>
-            </a:r>
-            <a:r>
-              <a:rPr lang="de-CH" dirty="0" err="1"/>
-              <a:t>is</a:t>
-            </a:r>
-            <a:r>
-              <a:rPr lang="de-CH" dirty="0"/>
-              <a:t> </a:t>
-            </a:r>
-            <a:r>
-              <a:rPr lang="de-CH" dirty="0" err="1"/>
-              <a:t>defined</a:t>
-            </a:r>
-            <a:r>
-              <a:rPr lang="de-CH" dirty="0"/>
-              <a:t> </a:t>
-            </a:r>
-            <a:r>
-              <a:rPr lang="de-CH" dirty="0" err="1"/>
-              <a:t>through</a:t>
-            </a:r>
-            <a:r>
-              <a:rPr lang="de-CH" dirty="0"/>
-              <a:t> a </a:t>
-            </a:r>
-            <a:r>
-              <a:rPr lang="de-CH" dirty="0" err="1"/>
-              <a:t>distance</a:t>
-            </a:r>
-            <a:r>
-              <a:rPr lang="de-CH" dirty="0"/>
-              <a:t> </a:t>
-            </a:r>
-            <a:r>
-              <a:rPr lang="de-CH" dirty="0" err="1"/>
-              <a:t>metric</a:t>
-            </a:r>
-            <a:endParaRPr lang="de-CH" dirty="0"/>
-          </a:p>
-          <a:p>
-            <a:pPr marL="0" indent="0">
-              <a:buNone/>
-            </a:pPr>
-            <a:r>
-              <a:rPr lang="en-US" dirty="0"/>
-              <a:t>Variant in the paper:</a:t>
-            </a:r>
-          </a:p>
-          <a:p>
-            <a:r>
-              <a:rPr lang="en-US" dirty="0"/>
-              <a:t>k-Nearest neighbor search (k-NN)</a:t>
-            </a:r>
-          </a:p>
-          <a:p>
-            <a:r>
-              <a:rPr lang="en-US" dirty="0"/>
-              <a:t>approximate (probabilistic) trade-off for better time complexity</a:t>
+              <a:t>APPROXIMATE NEAREST NEIGHBOR SEARCH</a:t>
             </a:r>
           </a:p>
         </p:txBody>
@@ -18485,7 +18037,7 @@
           <a:p>
             <a:r>
               <a:rPr lang="en-US" dirty="0"/>
-              <a:t>Approximate k-NN</a:t>
+              <a:t>Approximate k-NN </a:t>
             </a:r>
             <a:endParaRPr lang="en-CH" dirty="0"/>
           </a:p>
@@ -18507,7 +18059,12 @@
             <p:ph type="body" idx="1"/>
           </p:nvPr>
         </p:nvSpPr>
-        <p:spPr/>
+        <p:spPr>
+          <a:xfrm>
+            <a:off x="1577182" y="1682804"/>
+            <a:ext cx="3563936" cy="535354"/>
+          </a:xfrm>
+        </p:spPr>
         <p:txBody>
           <a:bodyPr/>
           <a:lstStyle/>
@@ -18536,14 +18093,19 @@
             <p:ph sz="half" idx="2"/>
           </p:nvPr>
         </p:nvSpPr>
-        <p:spPr/>
+        <p:spPr>
+          <a:xfrm>
+            <a:off x="1585794" y="2383733"/>
+            <a:ext cx="3954394" cy="3515555"/>
+          </a:xfrm>
+        </p:spPr>
         <p:txBody>
           <a:bodyPr/>
           <a:lstStyle/>
           <a:p>
             <a:r>
               <a:rPr lang="en-GB" dirty="0"/>
-              <a:t>The graph is constructed such that is fulfils navigable small-world network properties.</a:t>
+              <a:t>The graph is constructed such that it fulfils navigable small-world network properties.</a:t>
             </a:r>
           </a:p>
           <a:p>
@@ -18585,7 +18147,7 @@
         </p:nvSpPr>
         <p:spPr>
           <a:xfrm>
-            <a:off x="4341571" y="1731375"/>
+            <a:off x="6772799" y="1731375"/>
             <a:ext cx="4562731" cy="535354"/>
           </a:xfrm>
         </p:spPr>
@@ -18617,7 +18179,12 @@
             <p:ph sz="quarter" idx="14"/>
           </p:nvPr>
         </p:nvSpPr>
-        <p:spPr/>
+        <p:spPr>
+          <a:xfrm>
+            <a:off x="6772801" y="2427370"/>
+            <a:ext cx="3508755" cy="3515555"/>
+          </a:xfrm>
+        </p:spPr>
         <p:txBody>
           <a:bodyPr/>
           <a:lstStyle/>
@@ -18665,62 +18232,6 @@
               <a:t>Through this we generate long-range and short-range links (short-range links become long-range links with subsequent insertions)</a:t>
             </a:r>
             <a:endParaRPr lang="en-CH" dirty="0"/>
-          </a:p>
-        </p:txBody>
-      </p:sp>
-      <p:sp>
-        <p:nvSpPr>
-          <p:cNvPr id="9" name="Date Placeholder 8">
-            <a:extLst>
-              <a:ext uri="{FF2B5EF4-FFF2-40B4-BE49-F238E27FC236}">
-                <a16:creationId xmlns:a16="http://schemas.microsoft.com/office/drawing/2014/main" id="{953FE329-99A8-0DFD-B98A-09CDB7253F38}"/>
-              </a:ext>
-            </a:extLst>
-          </p:cNvPr>
-          <p:cNvSpPr>
-            <a:spLocks noGrp="1"/>
-          </p:cNvSpPr>
-          <p:nvPr>
-            <p:ph type="dt" sz="half" idx="10"/>
-          </p:nvPr>
-        </p:nvSpPr>
-        <p:spPr/>
-        <p:txBody>
-          <a:bodyPr/>
-          <a:lstStyle/>
-          <a:p>
-            <a:r>
-              <a:rPr lang="en-US" dirty="0"/>
-              <a:t>Tuesday, February 2, 20XX</a:t>
-            </a:r>
-          </a:p>
-        </p:txBody>
-      </p:sp>
-      <p:sp>
-        <p:nvSpPr>
-          <p:cNvPr id="10" name="Footer Placeholder 9">
-            <a:extLst>
-              <a:ext uri="{FF2B5EF4-FFF2-40B4-BE49-F238E27FC236}">
-                <a16:creationId xmlns:a16="http://schemas.microsoft.com/office/drawing/2014/main" id="{5576CF4F-FCF2-78CB-D067-9E6B17AE21EA}"/>
-              </a:ext>
-            </a:extLst>
-          </p:cNvPr>
-          <p:cNvSpPr>
-            <a:spLocks noGrp="1"/>
-          </p:cNvSpPr>
-          <p:nvPr>
-            <p:ph type="ftr" sz="quarter" idx="11"/>
-          </p:nvPr>
-        </p:nvSpPr>
-        <p:spPr/>
-        <p:txBody>
-          <a:bodyPr/>
-          <a:lstStyle/>
-          <a:p>
-            <a:r>
-              <a:rPr lang="en-US" dirty="0"/>
-              <a:t>Sample Footer Text</a:t>
-            </a:r>
           </a:p>
         </p:txBody>
       </p:sp>
@@ -18750,6 +18261,72 @@
               <a:t>6</a:t>
             </a:fld>
             <a:endParaRPr lang="en-US"/>
+          </a:p>
+        </p:txBody>
+      </p:sp>
+      <p:sp>
+        <p:nvSpPr>
+          <p:cNvPr id="12" name="Date Placeholder 18">
+            <a:extLst>
+              <a:ext uri="{FF2B5EF4-FFF2-40B4-BE49-F238E27FC236}">
+                <a16:creationId xmlns:a16="http://schemas.microsoft.com/office/drawing/2014/main" id="{22300551-E06F-F5AD-0318-9E20D51F961F}"/>
+              </a:ext>
+            </a:extLst>
+          </p:cNvPr>
+          <p:cNvSpPr>
+            <a:spLocks noGrp="1"/>
+          </p:cNvSpPr>
+          <p:nvPr>
+            <p:ph type="dt" sz="half" idx="10"/>
+          </p:nvPr>
+        </p:nvSpPr>
+        <p:spPr>
+          <a:xfrm>
+            <a:off x="550863" y="6507212"/>
+            <a:ext cx="2628900" cy="153888"/>
+          </a:xfrm>
+        </p:spPr>
+        <p:txBody>
+          <a:bodyPr/>
+          <a:lstStyle/>
+          <a:p>
+            <a:r>
+              <a:rPr lang="en-US" dirty="0"/>
+              <a:t>01.06.2022</a:t>
+            </a:r>
+          </a:p>
+        </p:txBody>
+      </p:sp>
+      <p:sp>
+        <p:nvSpPr>
+          <p:cNvPr id="13" name="Footer Placeholder 19">
+            <a:extLst>
+              <a:ext uri="{FF2B5EF4-FFF2-40B4-BE49-F238E27FC236}">
+                <a16:creationId xmlns:a16="http://schemas.microsoft.com/office/drawing/2014/main" id="{6DB6FFCA-F62B-5312-B214-3FB997564053}"/>
+              </a:ext>
+            </a:extLst>
+          </p:cNvPr>
+          <p:cNvSpPr>
+            <a:spLocks noGrp="1"/>
+          </p:cNvSpPr>
+          <p:nvPr>
+            <p:ph type="ftr" sz="quarter" idx="11"/>
+          </p:nvPr>
+        </p:nvSpPr>
+        <p:spPr>
+          <a:xfrm>
+            <a:off x="3359150" y="6507212"/>
+            <a:ext cx="6379210" cy="153888"/>
+          </a:xfrm>
+        </p:spPr>
+        <p:txBody>
+          <a:bodyPr/>
+          <a:lstStyle/>
+          <a:p>
+            <a:r>
+              <a:rPr lang="en-US" dirty="0"/>
+              <a:t>APPROXIMATE NEAREST NEIGHBOR SEARCH</a:t>
+            </a:r>
           </a:p>
         </p:txBody>
       </p:sp>
@@ -18912,82 +18489,7 @@
             <a:endParaRPr lang="en-US" dirty="0"/>
           </a:p>
           <a:p>
-            <a:pPr lvl="0"/>
             <a:endParaRPr lang="en-US" dirty="0"/>
-          </a:p>
-          <a:p>
-            <a:pPr lvl="0"/>
-            <a:endParaRPr lang="en-US" dirty="0"/>
-          </a:p>
-          <a:p>
-            <a:endParaRPr lang="en-US" dirty="0"/>
-          </a:p>
-        </p:txBody>
-      </p:sp>
-      <p:sp>
-        <p:nvSpPr>
-          <p:cNvPr id="14" name="Date Placeholder 13">
-            <a:extLst>
-              <a:ext uri="{FF2B5EF4-FFF2-40B4-BE49-F238E27FC236}">
-                <a16:creationId xmlns:a16="http://schemas.microsoft.com/office/drawing/2014/main" id="{D236478C-E242-44E0-8357-C72C9B588CA7}"/>
-              </a:ext>
-            </a:extLst>
-          </p:cNvPr>
-          <p:cNvSpPr>
-            <a:spLocks noGrp="1"/>
-          </p:cNvSpPr>
-          <p:nvPr>
-            <p:ph type="dt" sz="half" idx="10"/>
-          </p:nvPr>
-        </p:nvSpPr>
-        <p:spPr>
-          <a:xfrm>
-            <a:off x="550863" y="6507212"/>
-            <a:ext cx="2628900" cy="153888"/>
-          </a:xfrm>
-        </p:spPr>
-        <p:txBody>
-          <a:bodyPr/>
-          <a:lstStyle/>
-          <a:p>
-            <a:r>
-              <a:rPr lang="en-US"/>
-              <a:t>Tuesday, February 2, 20XX</a:t>
-            </a:r>
-            <a:endParaRPr lang="en-US" dirty="0"/>
-          </a:p>
-        </p:txBody>
-      </p:sp>
-      <p:sp>
-        <p:nvSpPr>
-          <p:cNvPr id="15" name="Footer Placeholder 14">
-            <a:extLst>
-              <a:ext uri="{FF2B5EF4-FFF2-40B4-BE49-F238E27FC236}">
-                <a16:creationId xmlns:a16="http://schemas.microsoft.com/office/drawing/2014/main" id="{65A6DC02-681E-4AF7-AC6E-57CDDB2FBA28}"/>
-              </a:ext>
-            </a:extLst>
-          </p:cNvPr>
-          <p:cNvSpPr>
-            <a:spLocks noGrp="1"/>
-          </p:cNvSpPr>
-          <p:nvPr>
-            <p:ph type="ftr" sz="quarter" idx="11"/>
-          </p:nvPr>
-        </p:nvSpPr>
-        <p:spPr>
-          <a:xfrm>
-            <a:off x="3359150" y="6507212"/>
-            <a:ext cx="6379210" cy="153888"/>
-          </a:xfrm>
-        </p:spPr>
-        <p:txBody>
-          <a:bodyPr/>
-          <a:lstStyle/>
-          <a:p>
-            <a:r>
-              <a:rPr lang="en-US"/>
-              <a:t>Sample Footer Text</a:t>
-            </a:r>
           </a:p>
         </p:txBody>
       </p:sp>
@@ -19084,6 +18586,72 @@
           </a:prstGeom>
         </p:spPr>
       </p:pic>
+      <p:sp>
+        <p:nvSpPr>
+          <p:cNvPr id="12" name="Date Placeholder 18">
+            <a:extLst>
+              <a:ext uri="{FF2B5EF4-FFF2-40B4-BE49-F238E27FC236}">
+                <a16:creationId xmlns:a16="http://schemas.microsoft.com/office/drawing/2014/main" id="{EFCD10D5-8875-EEF8-4440-90360ABE5D88}"/>
+              </a:ext>
+            </a:extLst>
+          </p:cNvPr>
+          <p:cNvSpPr>
+            <a:spLocks noGrp="1"/>
+          </p:cNvSpPr>
+          <p:nvPr>
+            <p:ph type="dt" sz="half" idx="10"/>
+          </p:nvPr>
+        </p:nvSpPr>
+        <p:spPr>
+          <a:xfrm>
+            <a:off x="550863" y="6507212"/>
+            <a:ext cx="2628900" cy="153888"/>
+          </a:xfrm>
+        </p:spPr>
+        <p:txBody>
+          <a:bodyPr/>
+          <a:lstStyle/>
+          <a:p>
+            <a:r>
+              <a:rPr lang="en-US" dirty="0"/>
+              <a:t>01.06.2022</a:t>
+            </a:r>
+          </a:p>
+        </p:txBody>
+      </p:sp>
+      <p:sp>
+        <p:nvSpPr>
+          <p:cNvPr id="13" name="Footer Placeholder 19">
+            <a:extLst>
+              <a:ext uri="{FF2B5EF4-FFF2-40B4-BE49-F238E27FC236}">
+                <a16:creationId xmlns:a16="http://schemas.microsoft.com/office/drawing/2014/main" id="{D856B4A5-185D-4C61-C1A3-4E2FCB9DAA15}"/>
+              </a:ext>
+            </a:extLst>
+          </p:cNvPr>
+          <p:cNvSpPr>
+            <a:spLocks noGrp="1"/>
+          </p:cNvSpPr>
+          <p:nvPr>
+            <p:ph type="ftr" sz="quarter" idx="11"/>
+          </p:nvPr>
+        </p:nvSpPr>
+        <p:spPr>
+          <a:xfrm>
+            <a:off x="2122020" y="6507212"/>
+            <a:ext cx="6379210" cy="153888"/>
+          </a:xfrm>
+        </p:spPr>
+        <p:txBody>
+          <a:bodyPr/>
+          <a:lstStyle/>
+          <a:p>
+            <a:r>
+              <a:rPr lang="en-US" dirty="0"/>
+              <a:t>APPROXIMATE NEAREST NEIGHBOR SEARCH</a:t>
+            </a:r>
+          </a:p>
+        </p:txBody>
+      </p:sp>
     </p:spTree>
     <p:extLst>
       <p:ext uri="{BB962C8B-B14F-4D97-AF65-F5344CB8AC3E}">
@@ -20241,62 +19809,6 @@
       </p:sp>
       <p:sp>
         <p:nvSpPr>
-          <p:cNvPr id="2" name="Date Placeholder 1">
-            <a:extLst>
-              <a:ext uri="{FF2B5EF4-FFF2-40B4-BE49-F238E27FC236}">
-                <a16:creationId xmlns:a16="http://schemas.microsoft.com/office/drawing/2014/main" id="{2910D835-B454-4270-BB35-86A187307E6F}"/>
-              </a:ext>
-            </a:extLst>
-          </p:cNvPr>
-          <p:cNvSpPr>
-            <a:spLocks noGrp="1"/>
-          </p:cNvSpPr>
-          <p:nvPr>
-            <p:ph type="dt" sz="half" idx="10"/>
-          </p:nvPr>
-        </p:nvSpPr>
-        <p:spPr/>
-        <p:txBody>
-          <a:bodyPr/>
-          <a:lstStyle/>
-          <a:p>
-            <a:r>
-              <a:rPr lang="en-US"/>
-              <a:t>Tuesday, February 2, 20XX</a:t>
-            </a:r>
-          </a:p>
-        </p:txBody>
-      </p:sp>
-      <p:sp>
-        <p:nvSpPr>
-          <p:cNvPr id="3" name="Footer Placeholder 2">
-            <a:extLst>
-              <a:ext uri="{FF2B5EF4-FFF2-40B4-BE49-F238E27FC236}">
-                <a16:creationId xmlns:a16="http://schemas.microsoft.com/office/drawing/2014/main" id="{7F7F653B-90B5-4F47-A33F-93DCB2EF68C2}"/>
-              </a:ext>
-            </a:extLst>
-          </p:cNvPr>
-          <p:cNvSpPr>
-            <a:spLocks noGrp="1"/>
-          </p:cNvSpPr>
-          <p:nvPr>
-            <p:ph type="ftr" sz="quarter" idx="11"/>
-          </p:nvPr>
-        </p:nvSpPr>
-        <p:spPr/>
-        <p:txBody>
-          <a:bodyPr/>
-          <a:lstStyle/>
-          <a:p>
-            <a:r>
-              <a:rPr lang="en-US" dirty="0"/>
-              <a:t>Sample Footer Text</a:t>
-            </a:r>
-          </a:p>
-        </p:txBody>
-      </p:sp>
-      <p:sp>
-        <p:nvSpPr>
           <p:cNvPr id="4" name="Slide Number Placeholder 3">
             <a:extLst>
               <a:ext uri="{FF2B5EF4-FFF2-40B4-BE49-F238E27FC236}">
@@ -20321,6 +19833,72 @@
               <a:t>8</a:t>
             </a:fld>
             <a:endParaRPr lang="en-US"/>
+          </a:p>
+        </p:txBody>
+      </p:sp>
+      <p:sp>
+        <p:nvSpPr>
+          <p:cNvPr id="18" name="Date Placeholder 18">
+            <a:extLst>
+              <a:ext uri="{FF2B5EF4-FFF2-40B4-BE49-F238E27FC236}">
+                <a16:creationId xmlns:a16="http://schemas.microsoft.com/office/drawing/2014/main" id="{E11F2BD7-EB5B-83A6-8266-C61C72F6B690}"/>
+              </a:ext>
+            </a:extLst>
+          </p:cNvPr>
+          <p:cNvSpPr>
+            <a:spLocks noGrp="1"/>
+          </p:cNvSpPr>
+          <p:nvPr>
+            <p:ph type="dt" sz="half" idx="10"/>
+          </p:nvPr>
+        </p:nvSpPr>
+        <p:spPr>
+          <a:xfrm>
+            <a:off x="550863" y="6507212"/>
+            <a:ext cx="2628900" cy="153888"/>
+          </a:xfrm>
+        </p:spPr>
+        <p:txBody>
+          <a:bodyPr/>
+          <a:lstStyle/>
+          <a:p>
+            <a:r>
+              <a:rPr lang="en-US" dirty="0"/>
+              <a:t>01.06.2022</a:t>
+            </a:r>
+          </a:p>
+        </p:txBody>
+      </p:sp>
+      <p:sp>
+        <p:nvSpPr>
+          <p:cNvPr id="19" name="Footer Placeholder 19">
+            <a:extLst>
+              <a:ext uri="{FF2B5EF4-FFF2-40B4-BE49-F238E27FC236}">
+                <a16:creationId xmlns:a16="http://schemas.microsoft.com/office/drawing/2014/main" id="{86119007-A2D7-5D7D-A256-AC94F52C19B8}"/>
+              </a:ext>
+            </a:extLst>
+          </p:cNvPr>
+          <p:cNvSpPr>
+            <a:spLocks noGrp="1"/>
+          </p:cNvSpPr>
+          <p:nvPr>
+            <p:ph type="ftr" sz="quarter" idx="11"/>
+          </p:nvPr>
+        </p:nvSpPr>
+        <p:spPr>
+          <a:xfrm>
+            <a:off x="3359150" y="6507212"/>
+            <a:ext cx="6379210" cy="153888"/>
+          </a:xfrm>
+        </p:spPr>
+        <p:txBody>
+          <a:bodyPr/>
+          <a:lstStyle/>
+          <a:p>
+            <a:r>
+              <a:rPr lang="en-US" dirty="0"/>
+              <a:t>APPROXIMATE NEAREST NEIGHBOR SEARCH</a:t>
+            </a:r>
           </a:p>
         </p:txBody>
       </p:sp>
@@ -20356,73 +19934,6 @@
       </p:grpSpPr>
       <p:sp>
         <p:nvSpPr>
-          <p:cNvPr id="4" name="Date Placeholder 3">
-            <a:extLst>
-              <a:ext uri="{FF2B5EF4-FFF2-40B4-BE49-F238E27FC236}">
-                <a16:creationId xmlns:a16="http://schemas.microsoft.com/office/drawing/2014/main" id="{0C329F70-04F7-4C70-BCF8-D4371F54EF2F}"/>
-              </a:ext>
-            </a:extLst>
-          </p:cNvPr>
-          <p:cNvSpPr>
-            <a:spLocks noGrp="1"/>
-          </p:cNvSpPr>
-          <p:nvPr>
-            <p:ph type="dt" sz="half" idx="10"/>
-          </p:nvPr>
-        </p:nvSpPr>
-        <p:spPr>
-          <a:xfrm>
-            <a:off x="550863" y="6507212"/>
-            <a:ext cx="2628900" cy="153888"/>
-          </a:xfrm>
-        </p:spPr>
-        <p:txBody>
-          <a:bodyPr/>
-          <a:lstStyle/>
-          <a:p>
-            <a:r>
-              <a:rPr lang="en-US"/>
-              <a:t>Tuesday, February 2, 20XX</a:t>
-            </a:r>
-            <a:endParaRPr lang="en-US" dirty="0"/>
-          </a:p>
-        </p:txBody>
-      </p:sp>
-      <p:sp>
-        <p:nvSpPr>
-          <p:cNvPr id="5" name="Footer Placeholder 4">
-            <a:extLst>
-              <a:ext uri="{FF2B5EF4-FFF2-40B4-BE49-F238E27FC236}">
-                <a16:creationId xmlns:a16="http://schemas.microsoft.com/office/drawing/2014/main" id="{06A3302E-502D-4151-81C9-5FD6AF9596D6}"/>
-              </a:ext>
-            </a:extLst>
-          </p:cNvPr>
-          <p:cNvSpPr>
-            <a:spLocks noGrp="1"/>
-          </p:cNvSpPr>
-          <p:nvPr>
-            <p:ph type="ftr" sz="quarter" idx="11"/>
-          </p:nvPr>
-        </p:nvSpPr>
-        <p:spPr>
-          <a:xfrm>
-            <a:off x="3359150" y="6507212"/>
-            <a:ext cx="6379210" cy="153888"/>
-          </a:xfrm>
-        </p:spPr>
-        <p:txBody>
-          <a:bodyPr/>
-          <a:lstStyle/>
-          <a:p>
-            <a:r>
-              <a:rPr lang="en-US"/>
-              <a:t>Sample Footer Text</a:t>
-            </a:r>
-          </a:p>
-        </p:txBody>
-      </p:sp>
-      <p:sp>
-        <p:nvSpPr>
           <p:cNvPr id="6" name="Slide Number Placeholder 5">
             <a:extLst>
               <a:ext uri="{FF2B5EF4-FFF2-40B4-BE49-F238E27FC236}">
@@ -20517,6 +20028,72 @@
               <a:t>Graph_interfaces.go</a:t>
             </a:r>
             <a:endParaRPr lang="en-US" sz="2400" dirty="0"/>
+          </a:p>
+        </p:txBody>
+      </p:sp>
+      <p:sp>
+        <p:nvSpPr>
+          <p:cNvPr id="7" name="Date Placeholder 18">
+            <a:extLst>
+              <a:ext uri="{FF2B5EF4-FFF2-40B4-BE49-F238E27FC236}">
+                <a16:creationId xmlns:a16="http://schemas.microsoft.com/office/drawing/2014/main" id="{BFE04511-308A-EE54-5C75-96FABE57999D}"/>
+              </a:ext>
+            </a:extLst>
+          </p:cNvPr>
+          <p:cNvSpPr>
+            <a:spLocks noGrp="1"/>
+          </p:cNvSpPr>
+          <p:nvPr>
+            <p:ph type="dt" sz="half" idx="10"/>
+          </p:nvPr>
+        </p:nvSpPr>
+        <p:spPr>
+          <a:xfrm>
+            <a:off x="550863" y="6507212"/>
+            <a:ext cx="2628900" cy="153888"/>
+          </a:xfrm>
+        </p:spPr>
+        <p:txBody>
+          <a:bodyPr/>
+          <a:lstStyle/>
+          <a:p>
+            <a:r>
+              <a:rPr lang="en-US" dirty="0"/>
+              <a:t>01.06.2022</a:t>
+            </a:r>
+          </a:p>
+        </p:txBody>
+      </p:sp>
+      <p:sp>
+        <p:nvSpPr>
+          <p:cNvPr id="8" name="Footer Placeholder 19">
+            <a:extLst>
+              <a:ext uri="{FF2B5EF4-FFF2-40B4-BE49-F238E27FC236}">
+                <a16:creationId xmlns:a16="http://schemas.microsoft.com/office/drawing/2014/main" id="{6B5F99D8-E507-1CC6-C80E-DC43BD174B83}"/>
+              </a:ext>
+            </a:extLst>
+          </p:cNvPr>
+          <p:cNvSpPr>
+            <a:spLocks noGrp="1"/>
+          </p:cNvSpPr>
+          <p:nvPr>
+            <p:ph type="ftr" sz="quarter" idx="11"/>
+          </p:nvPr>
+        </p:nvSpPr>
+        <p:spPr>
+          <a:xfrm>
+            <a:off x="3359150" y="6507212"/>
+            <a:ext cx="6379210" cy="153888"/>
+          </a:xfrm>
+        </p:spPr>
+        <p:txBody>
+          <a:bodyPr/>
+          <a:lstStyle/>
+          <a:p>
+            <a:r>
+              <a:rPr lang="en-US" dirty="0"/>
+              <a:t>APPROXIMATE NEAREST NEIGHBOR SEARCH</a:t>
+            </a:r>
           </a:p>
         </p:txBody>
       </p:sp>
@@ -21325,6 +20902,15 @@
 </file>
 
 <file path=customXml/item1.xml><?xml version="1.0" encoding="utf-8"?>
+<?mso-contentType ?>
+<FormTemplates xmlns="http://schemas.microsoft.com/sharepoint/v3/contenttype/forms">
+  <Display>DocumentLibraryForm</Display>
+  <Edit>DocumentLibraryForm</Edit>
+  <New>DocumentLibraryForm</New>
+</FormTemplates>
+</file>
+
+<file path=customXml/item2.xml><?xml version="1.0" encoding="utf-8"?>
 <p:properties xmlns:p="http://schemas.microsoft.com/office/2006/metadata/properties" xmlns:xsi="http://www.w3.org/2001/XMLSchema-instance" xmlns:pc="http://schemas.microsoft.com/office/infopath/2007/PartnerControls">
   <documentManagement>
     <_ip_UnifiedCompliancePolicyUIAction xmlns="http://schemas.microsoft.com/sharepoint/v3" xsi:nil="true"/>
@@ -21341,15 +20927,6 @@
     <MediaServiceKeyPoints xmlns="71af3243-3dd4-4a8d-8c0d-dd76da1f02a5" xsi:nil="true"/>
   </documentManagement>
 </p:properties>
-</file>
-
-<file path=customXml/item2.xml><?xml version="1.0" encoding="utf-8"?>
-<?mso-contentType ?>
-<FormTemplates xmlns="http://schemas.microsoft.com/sharepoint/v3/contenttype/forms">
-  <Display>DocumentLibraryForm</Display>
-  <Edit>DocumentLibraryForm</Edit>
-  <New>DocumentLibraryForm</New>
-</FormTemplates>
 </file>
 
 <file path=customXml/item3.xml><?xml version="1.0" encoding="utf-8"?>
@@ -21629,6 +21206,14 @@
 </file>
 
 <file path=customXml/itemProps1.xml><?xml version="1.0" encoding="utf-8"?>
+<ds:datastoreItem xmlns:ds="http://schemas.openxmlformats.org/officeDocument/2006/customXml" ds:itemID="{904751AB-E840-446F-8D49-E697067EC887}">
+  <ds:schemaRefs>
+    <ds:schemaRef ds:uri="http://schemas.microsoft.com/sharepoint/v3/contenttype/forms"/>
+  </ds:schemaRefs>
+</ds:datastoreItem>
+</file>
+
+<file path=customXml/itemProps2.xml><?xml version="1.0" encoding="utf-8"?>
 <ds:datastoreItem xmlns:ds="http://schemas.openxmlformats.org/officeDocument/2006/customXml" ds:itemID="{50811A92-D464-4AC4-A396-BA73B10CEEAC}">
   <ds:schemaRefs>
     <ds:schemaRef ds:uri="http://purl.org/dc/dcmitype/"/>
@@ -21643,14 +21228,6 @@
     <ds:schemaRef ds:uri="230e9df3-be65-4c73-a93b-d1236ebd677e"/>
     <ds:schemaRef ds:uri="16c05727-aa75-4e4a-9b5f-8a80a1165891"/>
     <ds:schemaRef ds:uri="http://schemas.microsoft.com/office/2006/metadata/properties"/>
-  </ds:schemaRefs>
-</ds:datastoreItem>
-</file>
-
-<file path=customXml/itemProps2.xml><?xml version="1.0" encoding="utf-8"?>
-<ds:datastoreItem xmlns:ds="http://schemas.openxmlformats.org/officeDocument/2006/customXml" ds:itemID="{904751AB-E840-446F-8D49-E697067EC887}">
-  <ds:schemaRefs>
-    <ds:schemaRef ds:uri="http://schemas.microsoft.com/sharepoint/v3/contenttype/forms"/>
   </ds:schemaRefs>
 </ds:datastoreItem>
 </file>
